--- a/编译技术/StateAutomatonShow/documents/ppt.pptx
+++ b/编译技术/StateAutomatonShow/documents/ppt.pptx
@@ -5,7 +5,7 @@
     <p:sldMasterId id="2147483660" r:id="rId1"/>
   </p:sldMasterIdLst>
   <p:notesMasterIdLst>
-    <p:notesMasterId r:id="rId35"/>
+    <p:notesMasterId r:id="rId34"/>
   </p:notesMasterIdLst>
   <p:sldIdLst>
     <p:sldId id="256" r:id="rId2"/>
@@ -19,28 +19,27 @@
     <p:sldId id="268" r:id="rId10"/>
     <p:sldId id="261" r:id="rId11"/>
     <p:sldId id="273" r:id="rId12"/>
-    <p:sldId id="275" r:id="rId13"/>
-    <p:sldId id="278" r:id="rId14"/>
-    <p:sldId id="279" r:id="rId15"/>
-    <p:sldId id="280" r:id="rId16"/>
-    <p:sldId id="263" r:id="rId17"/>
-    <p:sldId id="281" r:id="rId18"/>
-    <p:sldId id="283" r:id="rId19"/>
-    <p:sldId id="282" r:id="rId20"/>
-    <p:sldId id="264" r:id="rId21"/>
-    <p:sldId id="290" r:id="rId22"/>
-    <p:sldId id="288" r:id="rId23"/>
-    <p:sldId id="300" r:id="rId24"/>
-    <p:sldId id="301" r:id="rId25"/>
-    <p:sldId id="302" r:id="rId26"/>
-    <p:sldId id="303" r:id="rId27"/>
-    <p:sldId id="304" r:id="rId28"/>
-    <p:sldId id="305" r:id="rId29"/>
-    <p:sldId id="306" r:id="rId30"/>
-    <p:sldId id="307" r:id="rId31"/>
-    <p:sldId id="308" r:id="rId32"/>
-    <p:sldId id="309" r:id="rId33"/>
-    <p:sldId id="295" r:id="rId34"/>
+    <p:sldId id="278" r:id="rId13"/>
+    <p:sldId id="279" r:id="rId14"/>
+    <p:sldId id="280" r:id="rId15"/>
+    <p:sldId id="263" r:id="rId16"/>
+    <p:sldId id="281" r:id="rId17"/>
+    <p:sldId id="283" r:id="rId18"/>
+    <p:sldId id="282" r:id="rId19"/>
+    <p:sldId id="264" r:id="rId20"/>
+    <p:sldId id="290" r:id="rId21"/>
+    <p:sldId id="288" r:id="rId22"/>
+    <p:sldId id="300" r:id="rId23"/>
+    <p:sldId id="301" r:id="rId24"/>
+    <p:sldId id="302" r:id="rId25"/>
+    <p:sldId id="303" r:id="rId26"/>
+    <p:sldId id="304" r:id="rId27"/>
+    <p:sldId id="305" r:id="rId28"/>
+    <p:sldId id="306" r:id="rId29"/>
+    <p:sldId id="307" r:id="rId30"/>
+    <p:sldId id="308" r:id="rId31"/>
+    <p:sldId id="309" r:id="rId32"/>
+    <p:sldId id="295" r:id="rId33"/>
   </p:sldIdLst>
   <p:sldSz cx="12192000" cy="6858000"/>
   <p:notesSz cx="6858000" cy="9144000"/>
@@ -241,7 +240,7 @@
           <a:p>
             <a:fld id="{DBB9CDB0-B182-459F-858F-996DA575D037}" type="datetimeFigureOut">
               <a:rPr lang="zh-CN" altLang="en-US" smtClean="0"/>
-              <a:t>2023/12/30</a:t>
+              <a:t>2024/1/3</a:t>
             </a:fld>
             <a:endParaRPr lang="zh-CN" altLang="en-US"/>
           </a:p>
@@ -1719,7 +1718,7 @@
           <a:p>
             <a:fld id="{40959B3C-2A39-4E31-AA39-935DA0447EE9}" type="datetimeFigureOut">
               <a:rPr lang="zh-CN" altLang="en-US" smtClean="0"/>
-              <a:t>2023/12/30</a:t>
+              <a:t>2024/1/3</a:t>
             </a:fld>
             <a:endParaRPr lang="zh-CN" altLang="en-US"/>
           </a:p>
@@ -1957,7 +1956,7 @@
           <a:p>
             <a:fld id="{40959B3C-2A39-4E31-AA39-935DA0447EE9}" type="datetimeFigureOut">
               <a:rPr lang="zh-CN" altLang="en-US" smtClean="0"/>
-              <a:t>2023/12/30</a:t>
+              <a:t>2024/1/3</a:t>
             </a:fld>
             <a:endParaRPr lang="zh-CN" altLang="en-US"/>
           </a:p>
@@ -2137,7 +2136,7 @@
           <a:p>
             <a:fld id="{40959B3C-2A39-4E31-AA39-935DA0447EE9}" type="datetimeFigureOut">
               <a:rPr lang="zh-CN" altLang="en-US" smtClean="0"/>
-              <a:t>2023/12/30</a:t>
+              <a:t>2024/1/3</a:t>
             </a:fld>
             <a:endParaRPr lang="zh-CN" altLang="en-US"/>
           </a:p>
@@ -2307,7 +2306,7 @@
           <a:p>
             <a:fld id="{40959B3C-2A39-4E31-AA39-935DA0447EE9}" type="datetimeFigureOut">
               <a:rPr lang="zh-CN" altLang="en-US" smtClean="0"/>
-              <a:t>2023/12/30</a:t>
+              <a:t>2024/1/3</a:t>
             </a:fld>
             <a:endParaRPr lang="zh-CN" altLang="en-US"/>
           </a:p>
@@ -2583,7 +2582,7 @@
           <a:p>
             <a:fld id="{40959B3C-2A39-4E31-AA39-935DA0447EE9}" type="datetimeFigureOut">
               <a:rPr lang="zh-CN" altLang="en-US" smtClean="0"/>
-              <a:t>2023/12/30</a:t>
+              <a:t>2024/1/3</a:t>
             </a:fld>
             <a:endParaRPr lang="zh-CN" altLang="en-US"/>
           </a:p>
@@ -3784,7 +3783,7 @@
           <a:p>
             <a:fld id="{40959B3C-2A39-4E31-AA39-935DA0447EE9}" type="datetimeFigureOut">
               <a:rPr lang="zh-CN" altLang="en-US" smtClean="0"/>
-              <a:t>2023/12/30</a:t>
+              <a:t>2024/1/3</a:t>
             </a:fld>
             <a:endParaRPr lang="zh-CN" altLang="en-US"/>
           </a:p>
@@ -4174,7 +4173,7 @@
           <a:p>
             <a:fld id="{40959B3C-2A39-4E31-AA39-935DA0447EE9}" type="datetimeFigureOut">
               <a:rPr lang="zh-CN" altLang="en-US" smtClean="0"/>
-              <a:t>2023/12/30</a:t>
+              <a:t>2024/1/3</a:t>
             </a:fld>
             <a:endParaRPr lang="zh-CN" altLang="en-US"/>
           </a:p>
@@ -4297,7 +4296,7 @@
           <a:p>
             <a:fld id="{40959B3C-2A39-4E31-AA39-935DA0447EE9}" type="datetimeFigureOut">
               <a:rPr lang="zh-CN" altLang="en-US" smtClean="0"/>
-              <a:t>2023/12/30</a:t>
+              <a:t>2024/1/3</a:t>
             </a:fld>
             <a:endParaRPr lang="zh-CN" altLang="en-US"/>
           </a:p>
@@ -4392,7 +4391,7 @@
           <a:p>
             <a:fld id="{40959B3C-2A39-4E31-AA39-935DA0447EE9}" type="datetimeFigureOut">
               <a:rPr lang="zh-CN" altLang="en-US" smtClean="0"/>
-              <a:t>2023/12/30</a:t>
+              <a:t>2024/1/3</a:t>
             </a:fld>
             <a:endParaRPr lang="zh-CN" altLang="en-US"/>
           </a:p>
@@ -5155,7 +5154,7 @@
           <a:p>
             <a:fld id="{40959B3C-2A39-4E31-AA39-935DA0447EE9}" type="datetimeFigureOut">
               <a:rPr lang="zh-CN" altLang="en-US" smtClean="0"/>
-              <a:t>2023/12/30</a:t>
+              <a:t>2024/1/3</a:t>
             </a:fld>
             <a:endParaRPr lang="zh-CN" altLang="en-US"/>
           </a:p>
@@ -5995,7 +5994,7 @@
           <a:p>
             <a:fld id="{40959B3C-2A39-4E31-AA39-935DA0447EE9}" type="datetimeFigureOut">
               <a:rPr lang="zh-CN" altLang="en-US" smtClean="0"/>
-              <a:t>2023/12/30</a:t>
+              <a:t>2024/1/3</a:t>
             </a:fld>
             <a:endParaRPr lang="zh-CN" altLang="en-US"/>
           </a:p>
@@ -6222,7 +6221,7 @@
           <a:p>
             <a:fld id="{40959B3C-2A39-4E31-AA39-935DA0447EE9}" type="datetimeFigureOut">
               <a:rPr lang="zh-CN" altLang="en-US" smtClean="0"/>
-              <a:t>2023/12/30</a:t>
+              <a:t>2024/1/3</a:t>
             </a:fld>
             <a:endParaRPr lang="zh-CN" altLang="en-US"/>
           </a:p>
@@ -7522,132 +7521,6 @@
                 <a:ea typeface="华文中宋" panose="02010600040101010101" pitchFamily="2" charset="-122"/>
                 <a:cs typeface="+mn-cs"/>
               </a:rPr>
-              <a:t>系统的类图</a:t>
-            </a:r>
-            <a:endParaRPr lang="zh-CN" altLang="en-US" dirty="0"/>
-          </a:p>
-        </p:txBody>
-      </p:sp>
-      <p:pic>
-        <p:nvPicPr>
-          <p:cNvPr id="1026" name="Picture 2">
-            <a:extLst>
-              <a:ext uri="{FF2B5EF4-FFF2-40B4-BE49-F238E27FC236}">
-                <a16:creationId xmlns:a16="http://schemas.microsoft.com/office/drawing/2014/main" id="{0732361F-C0F9-28F3-6257-87E44E906539}"/>
-              </a:ext>
-            </a:extLst>
-          </p:cNvPr>
-          <p:cNvPicPr>
-            <a:picLocks noChangeAspect="1" noChangeArrowheads="1"/>
-          </p:cNvPicPr>
-          <p:nvPr/>
-        </p:nvPicPr>
-        <p:blipFill>
-          <a:blip r:embed="rId2">
-            <a:extLst>
-              <a:ext uri="{28A0092B-C50C-407E-A947-70E740481C1C}">
-                <a14:useLocalDpi xmlns:a14="http://schemas.microsoft.com/office/drawing/2010/main" val="0"/>
-              </a:ext>
-            </a:extLst>
-          </a:blip>
-          <a:srcRect/>
-          <a:stretch>
-            <a:fillRect/>
-          </a:stretch>
-        </p:blipFill>
-        <p:spPr bwMode="auto">
-          <a:xfrm>
-            <a:off x="1401148" y="1254857"/>
-            <a:ext cx="8006622" cy="5342903"/>
-          </a:xfrm>
-          <a:prstGeom prst="rect">
-            <a:avLst/>
-          </a:prstGeom>
-          <a:noFill/>
-          <a:ln>
-            <a:noFill/>
-          </a:ln>
-          <a:extLst>
-            <a:ext uri="{909E8E84-426E-40DD-AFC4-6F175D3DCCD1}">
-              <a14:hiddenFill xmlns:a14="http://schemas.microsoft.com/office/drawing/2010/main">
-                <a:solidFill>
-                  <a:srgbClr val="FFFFFF"/>
-                </a:solidFill>
-              </a14:hiddenFill>
-            </a:ext>
-            <a:ext uri="{91240B29-F687-4F45-9708-019B960494DF}">
-              <a14:hiddenLine xmlns:a14="http://schemas.microsoft.com/office/drawing/2010/main" w="9525">
-                <a:solidFill>
-                  <a:srgbClr val="000000"/>
-                </a:solidFill>
-                <a:miter lim="800000"/>
-                <a:headEnd/>
-                <a:tailEnd/>
-              </a14:hiddenLine>
-            </a:ext>
-          </a:extLst>
-        </p:spPr>
-      </p:pic>
-    </p:spTree>
-    <p:extLst>
-      <p:ext uri="{BB962C8B-B14F-4D97-AF65-F5344CB8AC3E}">
-        <p14:creationId xmlns:p14="http://schemas.microsoft.com/office/powerpoint/2010/main" val="1277392202"/>
-      </p:ext>
-    </p:extLst>
-  </p:cSld>
-  <p:clrMapOvr>
-    <a:masterClrMapping/>
-  </p:clrMapOvr>
-</p:sld>
-</file>
-
-<file path=ppt/slides/slide13.xml><?xml version="1.0" encoding="utf-8"?>
-<p:sld xmlns:a="http://schemas.openxmlformats.org/drawingml/2006/main" xmlns:r="http://schemas.openxmlformats.org/officeDocument/2006/relationships" xmlns:p="http://schemas.openxmlformats.org/presentationml/2006/main">
-  <p:cSld>
-    <p:spTree>
-      <p:nvGrpSpPr>
-        <p:cNvPr id="1" name=""/>
-        <p:cNvGrpSpPr/>
-        <p:nvPr/>
-      </p:nvGrpSpPr>
-      <p:grpSpPr>
-        <a:xfrm>
-          <a:off x="0" y="0"/>
-          <a:ext cx="0" cy="0"/>
-          <a:chOff x="0" y="0"/>
-          <a:chExt cx="0" cy="0"/>
-        </a:xfrm>
-      </p:grpSpPr>
-      <p:sp>
-        <p:nvSpPr>
-          <p:cNvPr id="2" name="标题 1">
-            <a:extLst>
-              <a:ext uri="{FF2B5EF4-FFF2-40B4-BE49-F238E27FC236}">
-                <a16:creationId xmlns:a16="http://schemas.microsoft.com/office/drawing/2014/main" id="{B6C865E8-C646-093B-4419-C3F115CD507F}"/>
-              </a:ext>
-            </a:extLst>
-          </p:cNvPr>
-          <p:cNvSpPr>
-            <a:spLocks noGrp="1"/>
-          </p:cNvSpPr>
-          <p:nvPr>
-            <p:ph type="title"/>
-          </p:nvPr>
-        </p:nvSpPr>
-        <p:spPr/>
-        <p:txBody>
-          <a:bodyPr/>
-          <a:lstStyle/>
-          <a:p>
-            <a:r>
-              <a:rPr lang="zh-CN" altLang="en-US" sz="5400" b="1" spc="400" dirty="0">
-                <a:solidFill>
-                  <a:srgbClr val="F8B323"/>
-                </a:solidFill>
-                <a:latin typeface="Gill Sans MT" panose="020B0502020104020203"/>
-                <a:ea typeface="华文中宋" panose="02010600040101010101" pitchFamily="2" charset="-122"/>
-                <a:cs typeface="+mn-cs"/>
-              </a:rPr>
               <a:t>关键数据</a:t>
             </a:r>
             <a:r>
@@ -7691,7 +7564,7 @@
           <p:nvPr>
             <p:extLst>
               <p:ext uri="{D42A27DB-BD31-4B8C-83A1-F6EECF244321}">
-                <p14:modId xmlns:p14="http://schemas.microsoft.com/office/powerpoint/2010/main" val="42897188"/>
+                <p14:modId xmlns:p14="http://schemas.microsoft.com/office/powerpoint/2010/main" val="516669928"/>
               </p:ext>
             </p:extLst>
           </p:nvPr>
@@ -7863,7 +7736,7 @@
                         <a:rPr lang="zh-CN" altLang="en-US" sz="2800" kern="100" dirty="0">
                           <a:effectLst/>
                         </a:rPr>
-                        <a:t>父图形小部件</a:t>
+                        <a:t>画布</a:t>
                       </a:r>
                       <a:endParaRPr lang="zh-CN" sz="2800" kern="100" dirty="0">
                         <a:effectLst/>
@@ -8134,7 +8007,7 @@
 </p:sld>
 </file>
 
-<file path=ppt/slides/slide14.xml><?xml version="1.0" encoding="utf-8"?>
+<file path=ppt/slides/slide13.xml><?xml version="1.0" encoding="utf-8"?>
 <p:sld xmlns:a="http://schemas.openxmlformats.org/drawingml/2006/main" xmlns:r="http://schemas.openxmlformats.org/officeDocument/2006/relationships" xmlns:p="http://schemas.openxmlformats.org/presentationml/2006/main">
   <p:cSld>
     <p:spTree>
@@ -8224,14 +8097,14 @@
           <p:nvPr>
             <p:extLst>
               <p:ext uri="{D42A27DB-BD31-4B8C-83A1-F6EECF244321}">
-                <p14:modId xmlns:p14="http://schemas.microsoft.com/office/powerpoint/2010/main" val="4079871786"/>
+                <p14:modId xmlns:p14="http://schemas.microsoft.com/office/powerpoint/2010/main" val="789461847"/>
               </p:ext>
             </p:extLst>
           </p:nvPr>
         </p:nvGraphicFramePr>
         <p:xfrm>
           <a:off x="1251678" y="1204546"/>
-          <a:ext cx="10494845" cy="5753129"/>
+          <a:ext cx="10494845" cy="5653452"/>
         </p:xfrm>
         <a:graphic>
           <a:graphicData uri="http://schemas.openxmlformats.org/drawingml/2006/table">
@@ -8450,20 +8323,8 @@
                         <a:rPr lang="zh-CN" altLang="en-US" sz="3600" kern="100" dirty="0">
                           <a:effectLst/>
                         </a:rPr>
-                        <a:t>父图形小部件</a:t>
+                        <a:t>画布</a:t>
                       </a:r>
-                      <a:endParaRPr lang="zh-CN" altLang="zh-CN" sz="3600" kern="100" dirty="0">
-                        <a:effectLst/>
-                        <a:latin typeface="Times New Roman" panose="02020603050405020304" pitchFamily="18" charset="0"/>
-                        <a:ea typeface="宋体" panose="02010600030101010101" pitchFamily="2" charset="-122"/>
-                      </a:endParaRPr>
-                    </a:p>
-                    <a:p>
-                      <a:pPr marL="0" algn="just" defTabSz="914400" rtl="0" eaLnBrk="1" latinLnBrk="0" hangingPunct="1">
-                        <a:lnSpc>
-                          <a:spcPts val="2200"/>
-                        </a:lnSpc>
-                      </a:pPr>
                       <a:endParaRPr lang="zh-CN" altLang="en-US" sz="3600" kern="100" dirty="0">
                         <a:solidFill>
                           <a:schemeClr val="dk1"/>
@@ -8855,7 +8716,7 @@
 </p:sld>
 </file>
 
-<file path=ppt/slides/slide15.xml><?xml version="1.0" encoding="utf-8"?>
+<file path=ppt/slides/slide14.xml><?xml version="1.0" encoding="utf-8"?>
 <p:sld xmlns:a="http://schemas.openxmlformats.org/drawingml/2006/main" xmlns:r="http://schemas.openxmlformats.org/officeDocument/2006/relationships" xmlns:p="http://schemas.openxmlformats.org/presentationml/2006/main">
   <p:cSld>
     <p:spTree>
@@ -9446,7 +9307,7 @@
 </p:sld>
 </file>
 
-<file path=ppt/slides/slide16.xml><?xml version="1.0" encoding="utf-8"?>
+<file path=ppt/slides/slide15.xml><?xml version="1.0" encoding="utf-8"?>
 <p:sld xmlns:a="http://schemas.openxmlformats.org/drawingml/2006/main" xmlns:r="http://schemas.openxmlformats.org/officeDocument/2006/relationships" xmlns:p="http://schemas.openxmlformats.org/presentationml/2006/main">
   <p:cSld>
     <p:spTree>
@@ -9514,7 +9375,7 @@
 </p:sld>
 </file>
 
-<file path=ppt/slides/slide17.xml><?xml version="1.0" encoding="utf-8"?>
+<file path=ppt/slides/slide16.xml><?xml version="1.0" encoding="utf-8"?>
 <p:sld xmlns:a="http://schemas.openxmlformats.org/drawingml/2006/main" xmlns:r="http://schemas.openxmlformats.org/officeDocument/2006/relationships" xmlns:p="http://schemas.openxmlformats.org/presentationml/2006/main">
   <p:cSld>
     <p:spTree>
@@ -9634,7 +9495,7 @@
 </p:sld>
 </file>
 
-<file path=ppt/slides/slide18.xml><?xml version="1.0" encoding="utf-8"?>
+<file path=ppt/slides/slide17.xml><?xml version="1.0" encoding="utf-8"?>
 <p:sld xmlns:a="http://schemas.openxmlformats.org/drawingml/2006/main" xmlns:r="http://schemas.openxmlformats.org/officeDocument/2006/relationships" xmlns:p="http://schemas.openxmlformats.org/presentationml/2006/main">
   <p:cSld>
     <p:spTree>
@@ -9756,7 +9617,7 @@
 </p:sld>
 </file>
 
-<file path=ppt/slides/slide19.xml><?xml version="1.0" encoding="utf-8"?>
+<file path=ppt/slides/slide18.xml><?xml version="1.0" encoding="utf-8"?>
 <p:sld xmlns:a="http://schemas.openxmlformats.org/drawingml/2006/main" xmlns:r="http://schemas.openxmlformats.org/officeDocument/2006/relationships" xmlns:p="http://schemas.openxmlformats.org/presentationml/2006/main">
   <p:cSld>
     <p:spTree>
@@ -9856,6 +9717,73 @@
     <p:extLst>
       <p:ext uri="{BB962C8B-B14F-4D97-AF65-F5344CB8AC3E}">
         <p14:creationId xmlns:p14="http://schemas.microsoft.com/office/powerpoint/2010/main" val="2600519492"/>
+      </p:ext>
+    </p:extLst>
+  </p:cSld>
+  <p:clrMapOvr>
+    <a:masterClrMapping/>
+  </p:clrMapOvr>
+</p:sld>
+</file>
+
+<file path=ppt/slides/slide19.xml><?xml version="1.0" encoding="utf-8"?>
+<p:sld xmlns:a="http://schemas.openxmlformats.org/drawingml/2006/main" xmlns:r="http://schemas.openxmlformats.org/officeDocument/2006/relationships" xmlns:p="http://schemas.openxmlformats.org/presentationml/2006/main">
+  <p:cSld>
+    <p:spTree>
+      <p:nvGrpSpPr>
+        <p:cNvPr id="1" name=""/>
+        <p:cNvGrpSpPr/>
+        <p:nvPr/>
+      </p:nvGrpSpPr>
+      <p:grpSpPr>
+        <a:xfrm>
+          <a:off x="0" y="0"/>
+          <a:ext cx="0" cy="0"/>
+          <a:chOff x="0" y="0"/>
+          <a:chExt cx="0" cy="0"/>
+        </a:xfrm>
+      </p:grpSpPr>
+      <p:sp>
+        <p:nvSpPr>
+          <p:cNvPr id="2" name="标题 1">
+            <a:extLst>
+              <a:ext uri="{FF2B5EF4-FFF2-40B4-BE49-F238E27FC236}">
+                <a16:creationId xmlns:a16="http://schemas.microsoft.com/office/drawing/2014/main" id="{2894B729-60F7-6BF8-5677-D5DEBF17296B}"/>
+              </a:ext>
+            </a:extLst>
+          </p:cNvPr>
+          <p:cNvSpPr>
+            <a:spLocks noGrp="1"/>
+          </p:cNvSpPr>
+          <p:nvPr>
+            <p:ph type="title"/>
+          </p:nvPr>
+        </p:nvSpPr>
+        <p:spPr>
+          <a:xfrm>
+            <a:off x="4205454" y="60158"/>
+            <a:ext cx="8187071" cy="4064627"/>
+          </a:xfrm>
+        </p:spPr>
+        <p:txBody>
+          <a:bodyPr/>
+          <a:lstStyle/>
+          <a:p>
+            <a:r>
+              <a:rPr lang="en-US" altLang="zh-CN" dirty="0"/>
+              <a:t>5 </a:t>
+            </a:r>
+            <a:r>
+              <a:rPr lang="zh-CN" altLang="en-US" dirty="0"/>
+              <a:t>运行结果</a:t>
+            </a:r>
+          </a:p>
+        </p:txBody>
+      </p:sp>
+    </p:spTree>
+    <p:extLst>
+      <p:ext uri="{BB962C8B-B14F-4D97-AF65-F5344CB8AC3E}">
+        <p14:creationId xmlns:p14="http://schemas.microsoft.com/office/powerpoint/2010/main" val="2679537577"/>
       </p:ext>
     </p:extLst>
   </p:cSld>
@@ -10061,73 +9989,6 @@
 </file>
 
 <file path=ppt/slides/slide20.xml><?xml version="1.0" encoding="utf-8"?>
-<p:sld xmlns:a="http://schemas.openxmlformats.org/drawingml/2006/main" xmlns:r="http://schemas.openxmlformats.org/officeDocument/2006/relationships" xmlns:p="http://schemas.openxmlformats.org/presentationml/2006/main">
-  <p:cSld>
-    <p:spTree>
-      <p:nvGrpSpPr>
-        <p:cNvPr id="1" name=""/>
-        <p:cNvGrpSpPr/>
-        <p:nvPr/>
-      </p:nvGrpSpPr>
-      <p:grpSpPr>
-        <a:xfrm>
-          <a:off x="0" y="0"/>
-          <a:ext cx="0" cy="0"/>
-          <a:chOff x="0" y="0"/>
-          <a:chExt cx="0" cy="0"/>
-        </a:xfrm>
-      </p:grpSpPr>
-      <p:sp>
-        <p:nvSpPr>
-          <p:cNvPr id="2" name="标题 1">
-            <a:extLst>
-              <a:ext uri="{FF2B5EF4-FFF2-40B4-BE49-F238E27FC236}">
-                <a16:creationId xmlns:a16="http://schemas.microsoft.com/office/drawing/2014/main" id="{2894B729-60F7-6BF8-5677-D5DEBF17296B}"/>
-              </a:ext>
-            </a:extLst>
-          </p:cNvPr>
-          <p:cNvSpPr>
-            <a:spLocks noGrp="1"/>
-          </p:cNvSpPr>
-          <p:nvPr>
-            <p:ph type="title"/>
-          </p:nvPr>
-        </p:nvSpPr>
-        <p:spPr>
-          <a:xfrm>
-            <a:off x="4205454" y="60158"/>
-            <a:ext cx="8187071" cy="4064627"/>
-          </a:xfrm>
-        </p:spPr>
-        <p:txBody>
-          <a:bodyPr/>
-          <a:lstStyle/>
-          <a:p>
-            <a:r>
-              <a:rPr lang="en-US" altLang="zh-CN" dirty="0"/>
-              <a:t>5 </a:t>
-            </a:r>
-            <a:r>
-              <a:rPr lang="zh-CN" altLang="en-US" dirty="0"/>
-              <a:t>运行结果</a:t>
-            </a:r>
-          </a:p>
-        </p:txBody>
-      </p:sp>
-    </p:spTree>
-    <p:extLst>
-      <p:ext uri="{BB962C8B-B14F-4D97-AF65-F5344CB8AC3E}">
-        <p14:creationId xmlns:p14="http://schemas.microsoft.com/office/powerpoint/2010/main" val="2679537577"/>
-      </p:ext>
-    </p:extLst>
-  </p:cSld>
-  <p:clrMapOvr>
-    <a:masterClrMapping/>
-  </p:clrMapOvr>
-</p:sld>
-</file>
-
-<file path=ppt/slides/slide21.xml><?xml version="1.0" encoding="utf-8"?>
 <p:sld xmlns:a="http://schemas.openxmlformats.org/drawingml/2006/main" xmlns:r="http://schemas.openxmlformats.org/officeDocument/2006/relationships" xmlns:p="http://schemas.openxmlformats.org/presentationml/2006/main">
   <p:cSld>
     <p:spTree>
@@ -10389,6 +10250,238 @@
 </p:sld>
 </file>
 
+<file path=ppt/slides/slide21.xml><?xml version="1.0" encoding="utf-8"?>
+<p:sld xmlns:a="http://schemas.openxmlformats.org/drawingml/2006/main" xmlns:r="http://schemas.openxmlformats.org/officeDocument/2006/relationships" xmlns:p="http://schemas.openxmlformats.org/presentationml/2006/main">
+  <p:cSld>
+    <p:spTree>
+      <p:nvGrpSpPr>
+        <p:cNvPr id="1" name=""/>
+        <p:cNvGrpSpPr/>
+        <p:nvPr/>
+      </p:nvGrpSpPr>
+      <p:grpSpPr>
+        <a:xfrm>
+          <a:off x="0" y="0"/>
+          <a:ext cx="0" cy="0"/>
+          <a:chOff x="0" y="0"/>
+          <a:chExt cx="0" cy="0"/>
+        </a:xfrm>
+      </p:grpSpPr>
+      <p:sp>
+        <p:nvSpPr>
+          <p:cNvPr id="3" name="标题 1">
+            <a:extLst>
+              <a:ext uri="{FF2B5EF4-FFF2-40B4-BE49-F238E27FC236}">
+                <a16:creationId xmlns:a16="http://schemas.microsoft.com/office/drawing/2014/main" id="{EFE3B30E-0F97-3FAA-6CB2-AD55479E681C}"/>
+              </a:ext>
+            </a:extLst>
+          </p:cNvPr>
+          <p:cNvSpPr txBox="1">
+            <a:spLocks/>
+          </p:cNvSpPr>
+          <p:nvPr/>
+        </p:nvSpPr>
+        <p:spPr>
+          <a:xfrm>
+            <a:off x="1251678" y="382385"/>
+            <a:ext cx="10450884" cy="1492132"/>
+          </a:xfrm>
+          <a:prstGeom prst="rect">
+            <a:avLst/>
+          </a:prstGeom>
+        </p:spPr>
+        <p:txBody>
+          <a:bodyPr>
+            <a:normAutofit/>
+          </a:bodyPr>
+          <a:lstStyle>
+            <a:lvl1pPr algn="l" defTabSz="914400" rtl="0" eaLnBrk="1" latinLnBrk="0" hangingPunct="1">
+              <a:lnSpc>
+                <a:spcPct val="90000"/>
+              </a:lnSpc>
+              <a:spcBef>
+                <a:spcPct val="0"/>
+              </a:spcBef>
+              <a:buNone/>
+              <a:defRPr sz="5100" kern="1200" cap="all" spc="200" baseline="0">
+                <a:solidFill>
+                  <a:schemeClr val="tx2"/>
+                </a:solidFill>
+                <a:latin typeface="+mj-lt"/>
+                <a:ea typeface="+mj-ea"/>
+                <a:cs typeface="+mj-cs"/>
+              </a:defRPr>
+            </a:lvl1pPr>
+          </a:lstStyle>
+          <a:p>
+            <a:r>
+              <a:rPr lang="zh-CN" altLang="en-US" sz="5400" b="1" spc="400" dirty="0">
+                <a:solidFill>
+                  <a:srgbClr val="F8B323"/>
+                </a:solidFill>
+                <a:latin typeface="Gill Sans MT" panose="020B0502020104020203"/>
+                <a:ea typeface="华文中宋" panose="02010600040101010101" pitchFamily="2" charset="-122"/>
+                <a:cs typeface="+mn-cs"/>
+              </a:rPr>
+              <a:t>测试用例</a:t>
+            </a:r>
+            <a:r>
+              <a:rPr lang="en-US" altLang="zh-CN" sz="5400" b="1" spc="400" dirty="0">
+                <a:solidFill>
+                  <a:srgbClr val="F8B323"/>
+                </a:solidFill>
+                <a:latin typeface="Gill Sans MT" panose="020B0502020104020203"/>
+                <a:ea typeface="华文中宋" panose="02010600040101010101" pitchFamily="2" charset="-122"/>
+                <a:cs typeface="+mn-cs"/>
+              </a:rPr>
+              <a:t>1</a:t>
+            </a:r>
+            <a:r>
+              <a:rPr lang="zh-CN" altLang="en-US" sz="5400" b="1" spc="400" dirty="0">
+                <a:solidFill>
+                  <a:srgbClr val="F8B323"/>
+                </a:solidFill>
+                <a:latin typeface="Gill Sans MT" panose="020B0502020104020203"/>
+                <a:ea typeface="华文中宋" panose="02010600040101010101" pitchFamily="2" charset="-122"/>
+                <a:cs typeface="+mn-cs"/>
+              </a:rPr>
+              <a:t>：绘</a:t>
+            </a:r>
+            <a:r>
+              <a:rPr lang="zh-CN" altLang="zh-CN" sz="5400" b="1" spc="400" dirty="0">
+                <a:solidFill>
+                  <a:srgbClr val="F8B323"/>
+                </a:solidFill>
+                <a:latin typeface="Gill Sans MT" panose="020B0502020104020203"/>
+                <a:ea typeface="华文中宋" panose="02010600040101010101" pitchFamily="2" charset="-122"/>
+                <a:cs typeface="+mn-cs"/>
+              </a:rPr>
+              <a:t>制自动机状态图</a:t>
+            </a:r>
+          </a:p>
+          <a:p>
+            <a:endParaRPr lang="zh-CN" altLang="zh-CN" sz="1800" kern="100" dirty="0">
+              <a:effectLst/>
+              <a:latin typeface="Times New Roman" panose="02020603050405020304" pitchFamily="18" charset="0"/>
+              <a:ea typeface="宋体" panose="02010600030101010101" pitchFamily="2" charset="-122"/>
+            </a:endParaRPr>
+          </a:p>
+          <a:p>
+            <a:endParaRPr lang="zh-CN" altLang="en-US" dirty="0"/>
+          </a:p>
+        </p:txBody>
+      </p:sp>
+      <p:sp>
+        <p:nvSpPr>
+          <p:cNvPr id="5" name="文本框 4">
+            <a:extLst>
+              <a:ext uri="{FF2B5EF4-FFF2-40B4-BE49-F238E27FC236}">
+                <a16:creationId xmlns:a16="http://schemas.microsoft.com/office/drawing/2014/main" id="{CFFD9905-DCA7-7316-3CA9-2C5F3711382A}"/>
+              </a:ext>
+            </a:extLst>
+          </p:cNvPr>
+          <p:cNvSpPr txBox="1"/>
+          <p:nvPr/>
+        </p:nvSpPr>
+        <p:spPr>
+          <a:xfrm>
+            <a:off x="991333" y="1242751"/>
+            <a:ext cx="10450883" cy="348813"/>
+          </a:xfrm>
+          <a:prstGeom prst="rect">
+            <a:avLst/>
+          </a:prstGeom>
+          <a:noFill/>
+        </p:spPr>
+        <p:txBody>
+          <a:bodyPr wrap="square">
+            <a:spAutoFit/>
+          </a:bodyPr>
+          <a:lstStyle/>
+          <a:p>
+            <a:pPr indent="304800" algn="just">
+              <a:lnSpc>
+                <a:spcPts val="2000"/>
+              </a:lnSpc>
+            </a:pPr>
+            <a:r>
+              <a:rPr lang="zh-CN" altLang="en-US" sz="1800" b="1" kern="100" dirty="0">
+                <a:effectLst/>
+                <a:latin typeface="Times New Roman" panose="02020603050405020304" pitchFamily="18" charset="0"/>
+                <a:ea typeface="宋体" panose="02010600030101010101" pitchFamily="2" charset="-122"/>
+                <a:cs typeface="宋体" panose="02010600030101010101" pitchFamily="2" charset="-122"/>
+              </a:rPr>
+              <a:t>点击</a:t>
+            </a:r>
+            <a:r>
+              <a:rPr lang="en-US" altLang="zh-CN" sz="1800" b="1" kern="100" dirty="0">
+                <a:effectLst/>
+                <a:latin typeface="Times New Roman" panose="02020603050405020304" pitchFamily="18" charset="0"/>
+                <a:ea typeface="宋体" panose="02010600030101010101" pitchFamily="2" charset="-122"/>
+                <a:cs typeface="宋体" panose="02010600030101010101" pitchFamily="2" charset="-122"/>
+              </a:rPr>
+              <a:t>OK</a:t>
+            </a:r>
+            <a:r>
+              <a:rPr lang="zh-CN" altLang="en-US" sz="1800" b="1" kern="100" dirty="0">
+                <a:effectLst/>
+                <a:latin typeface="Times New Roman" panose="02020603050405020304" pitchFamily="18" charset="0"/>
+                <a:ea typeface="宋体" panose="02010600030101010101" pitchFamily="2" charset="-122"/>
+                <a:cs typeface="宋体" panose="02010600030101010101" pitchFamily="2" charset="-122"/>
+              </a:rPr>
+              <a:t>按钮绘制结点，显示如下：</a:t>
+            </a:r>
+            <a:endParaRPr lang="zh-CN" altLang="zh-CN" sz="1800" b="1" kern="100" dirty="0">
+              <a:effectLst/>
+              <a:latin typeface="Times New Roman" panose="02020603050405020304" pitchFamily="18" charset="0"/>
+              <a:ea typeface="宋体" panose="02010600030101010101" pitchFamily="2" charset="-122"/>
+            </a:endParaRPr>
+          </a:p>
+        </p:txBody>
+      </p:sp>
+      <p:pic>
+        <p:nvPicPr>
+          <p:cNvPr id="7" name="图片 6">
+            <a:extLst>
+              <a:ext uri="{FF2B5EF4-FFF2-40B4-BE49-F238E27FC236}">
+                <a16:creationId xmlns:a16="http://schemas.microsoft.com/office/drawing/2014/main" id="{9CDD3A90-3CAD-B3EB-9F38-F31D48C0C015}"/>
+              </a:ext>
+            </a:extLst>
+          </p:cNvPr>
+          <p:cNvPicPr>
+            <a:picLocks noChangeAspect="1"/>
+          </p:cNvPicPr>
+          <p:nvPr/>
+        </p:nvPicPr>
+        <p:blipFill>
+          <a:blip r:embed="rId2"/>
+          <a:stretch>
+            <a:fillRect/>
+          </a:stretch>
+        </p:blipFill>
+        <p:spPr>
+          <a:xfrm>
+            <a:off x="1510597" y="1591564"/>
+            <a:ext cx="5535705" cy="4591939"/>
+          </a:xfrm>
+          <a:prstGeom prst="rect">
+            <a:avLst/>
+          </a:prstGeom>
+        </p:spPr>
+      </p:pic>
+    </p:spTree>
+    <p:extLst>
+      <p:ext uri="{BB962C8B-B14F-4D97-AF65-F5344CB8AC3E}">
+        <p14:creationId xmlns:p14="http://schemas.microsoft.com/office/powerpoint/2010/main" val="566314936"/>
+      </p:ext>
+    </p:extLst>
+  </p:cSld>
+  <p:clrMapOvr>
+    <a:masterClrMapping/>
+  </p:clrMapOvr>
+</p:sld>
+</file>
+
 <file path=ppt/slides/slide22.xml><?xml version="1.0" encoding="utf-8"?>
 <p:sld xmlns:a="http://schemas.openxmlformats.org/drawingml/2006/main" xmlns:r="http://schemas.openxmlformats.org/officeDocument/2006/relationships" xmlns:p="http://schemas.openxmlformats.org/presentationml/2006/main">
   <p:cSld>
@@ -10548,27 +10641,8 @@
                 <a:effectLst/>
                 <a:latin typeface="Times New Roman" panose="02020603050405020304" pitchFamily="18" charset="0"/>
                 <a:ea typeface="宋体" panose="02010600030101010101" pitchFamily="2" charset="-122"/>
-                <a:cs typeface="宋体" panose="02010600030101010101" pitchFamily="2" charset="-122"/>
               </a:rPr>
-              <a:t>点击</a:t>
-            </a:r>
-            <a:r>
-              <a:rPr lang="en-US" altLang="zh-CN" sz="1800" b="1" kern="100" dirty="0">
-                <a:effectLst/>
-                <a:latin typeface="Times New Roman" panose="02020603050405020304" pitchFamily="18" charset="0"/>
-                <a:ea typeface="宋体" panose="02010600030101010101" pitchFamily="2" charset="-122"/>
-                <a:cs typeface="宋体" panose="02010600030101010101" pitchFamily="2" charset="-122"/>
-              </a:rPr>
-              <a:t>OK</a:t>
-            </a:r>
-            <a:r>
-              <a:rPr lang="zh-CN" altLang="en-US" sz="1800" b="1" kern="100" dirty="0">
-                <a:effectLst/>
-                <a:latin typeface="Times New Roman" panose="02020603050405020304" pitchFamily="18" charset="0"/>
-                <a:ea typeface="宋体" panose="02010600030101010101" pitchFamily="2" charset="-122"/>
-                <a:cs typeface="宋体" panose="02010600030101010101" pitchFamily="2" charset="-122"/>
-              </a:rPr>
-              <a:t>按钮绘制结点，显示如下：</a:t>
+              <a:t>用同样的方法画更多的点</a:t>
             </a:r>
             <a:endParaRPr lang="zh-CN" altLang="zh-CN" sz="1800" b="1" kern="100" dirty="0">
               <a:effectLst/>
@@ -10580,10 +10654,10 @@
       </p:sp>
       <p:pic>
         <p:nvPicPr>
-          <p:cNvPr id="7" name="图片 6">
+          <p:cNvPr id="4" name="图片 3">
             <a:extLst>
               <a:ext uri="{FF2B5EF4-FFF2-40B4-BE49-F238E27FC236}">
-                <a16:creationId xmlns:a16="http://schemas.microsoft.com/office/drawing/2014/main" id="{9CDD3A90-3CAD-B3EB-9F38-F31D48C0C015}"/>
+                <a16:creationId xmlns:a16="http://schemas.microsoft.com/office/drawing/2014/main" id="{7356C2D9-A47F-F041-3A57-7F3A48CD8E96}"/>
               </a:ext>
             </a:extLst>
           </p:cNvPr>
@@ -10600,8 +10674,8 @@
         </p:blipFill>
         <p:spPr>
           <a:xfrm>
-            <a:off x="1510597" y="1591564"/>
-            <a:ext cx="5535705" cy="4591939"/>
+            <a:off x="1514475" y="1591564"/>
+            <a:ext cx="5405071" cy="4483576"/>
           </a:xfrm>
           <a:prstGeom prst="rect">
             <a:avLst/>
@@ -10611,7 +10685,7 @@
     </p:spTree>
     <p:extLst>
       <p:ext uri="{BB962C8B-B14F-4D97-AF65-F5344CB8AC3E}">
-        <p14:creationId xmlns:p14="http://schemas.microsoft.com/office/powerpoint/2010/main" val="566314936"/>
+        <p14:creationId xmlns:p14="http://schemas.microsoft.com/office/powerpoint/2010/main" val="1661550525"/>
       </p:ext>
     </p:extLst>
   </p:cSld>
@@ -10757,7 +10831,7 @@
         <p:spPr>
           <a:xfrm>
             <a:off x="991333" y="1242751"/>
-            <a:ext cx="10450883" cy="348813"/>
+            <a:ext cx="10939829" cy="637354"/>
           </a:xfrm>
           <a:prstGeom prst="rect">
             <a:avLst/>
@@ -10772,16 +10846,88 @@
           <a:p>
             <a:pPr indent="304800" algn="just">
               <a:lnSpc>
-                <a:spcPts val="2000"/>
+                <a:spcPts val="2200"/>
               </a:lnSpc>
             </a:pPr>
             <a:r>
-              <a:rPr lang="zh-CN" altLang="en-US" sz="1800" b="1" kern="100" dirty="0">
+              <a:rPr lang="zh-CN" altLang="zh-CN" sz="1800" b="1" kern="100" dirty="0">
                 <a:effectLst/>
                 <a:latin typeface="Times New Roman" panose="02020603050405020304" pitchFamily="18" charset="0"/>
                 <a:ea typeface="宋体" panose="02010600030101010101" pitchFamily="2" charset="-122"/>
               </a:rPr>
-              <a:t>用同样的方法画更多的点</a:t>
+              <a:t>状态切换到添加边，</a:t>
+            </a:r>
+            <a:r>
+              <a:rPr lang="zh-CN" altLang="zh-CN" sz="1800" b="1" kern="100" dirty="0">
+                <a:effectLst/>
+                <a:latin typeface="Times New Roman" panose="02020603050405020304" pitchFamily="18" charset="0"/>
+                <a:ea typeface="宋体" panose="02010600030101010101" pitchFamily="2" charset="-122"/>
+                <a:cs typeface="宋体" panose="02010600030101010101" pitchFamily="2" charset="-122"/>
+              </a:rPr>
+              <a:t>点击绘图区一个地方，弹出窗口，输入起点为</a:t>
+            </a:r>
+            <a:r>
+              <a:rPr lang="en-US" altLang="zh-CN" sz="1800" b="1" kern="100" dirty="0">
+                <a:effectLst/>
+                <a:latin typeface="Times New Roman" panose="02020603050405020304" pitchFamily="18" charset="0"/>
+                <a:ea typeface="宋体" panose="02010600030101010101" pitchFamily="2" charset="-122"/>
+                <a:cs typeface="宋体" panose="02010600030101010101" pitchFamily="2" charset="-122"/>
+              </a:rPr>
+              <a:t>A</a:t>
+            </a:r>
+            <a:r>
+              <a:rPr lang="zh-CN" altLang="zh-CN" sz="1800" b="1" kern="100" dirty="0">
+                <a:effectLst/>
+                <a:latin typeface="Times New Roman" panose="02020603050405020304" pitchFamily="18" charset="0"/>
+                <a:ea typeface="宋体" panose="02010600030101010101" pitchFamily="2" charset="-122"/>
+                <a:cs typeface="宋体" panose="02010600030101010101" pitchFamily="2" charset="-122"/>
+              </a:rPr>
+              <a:t>，终点为</a:t>
+            </a:r>
+            <a:r>
+              <a:rPr lang="en-US" altLang="zh-CN" sz="1800" b="1" kern="100" dirty="0">
+                <a:effectLst/>
+                <a:latin typeface="Times New Roman" panose="02020603050405020304" pitchFamily="18" charset="0"/>
+                <a:ea typeface="宋体" panose="02010600030101010101" pitchFamily="2" charset="-122"/>
+                <a:cs typeface="宋体" panose="02010600030101010101" pitchFamily="2" charset="-122"/>
+              </a:rPr>
+              <a:t>B</a:t>
+            </a:r>
+            <a:r>
+              <a:rPr lang="zh-CN" altLang="zh-CN" sz="1800" b="1" kern="100" dirty="0">
+                <a:effectLst/>
+                <a:latin typeface="Times New Roman" panose="02020603050405020304" pitchFamily="18" charset="0"/>
+                <a:ea typeface="宋体" panose="02010600030101010101" pitchFamily="2" charset="-122"/>
+                <a:cs typeface="宋体" panose="02010600030101010101" pitchFamily="2" charset="-122"/>
+              </a:rPr>
+              <a:t>，正向边信息填</a:t>
+            </a:r>
+            <a:r>
+              <a:rPr lang="en-US" altLang="zh-CN" sz="1800" b="1" kern="100" dirty="0" err="1">
+                <a:effectLst/>
+                <a:latin typeface="Times New Roman" panose="02020603050405020304" pitchFamily="18" charset="0"/>
+                <a:ea typeface="宋体" panose="02010600030101010101" pitchFamily="2" charset="-122"/>
+                <a:cs typeface="宋体" panose="02010600030101010101" pitchFamily="2" charset="-122"/>
+              </a:rPr>
+              <a:t>a,b,c</a:t>
+            </a:r>
+            <a:r>
+              <a:rPr lang="zh-CN" altLang="zh-CN" sz="1800" b="1" kern="100" dirty="0">
+                <a:effectLst/>
+                <a:latin typeface="Times New Roman" panose="02020603050405020304" pitchFamily="18" charset="0"/>
+                <a:ea typeface="宋体" panose="02010600030101010101" pitchFamily="2" charset="-122"/>
+                <a:cs typeface="宋体" panose="02010600030101010101" pitchFamily="2" charset="-122"/>
+              </a:rPr>
+              <a:t>，反向边信息填</a:t>
+            </a:r>
+            <a:r>
+              <a:rPr lang="en-US" altLang="zh-CN" sz="1800" b="1" kern="100" dirty="0" err="1">
+                <a:effectLst/>
+                <a:latin typeface="Times New Roman" panose="02020603050405020304" pitchFamily="18" charset="0"/>
+                <a:ea typeface="宋体" panose="02010600030101010101" pitchFamily="2" charset="-122"/>
+                <a:cs typeface="宋体" panose="02010600030101010101" pitchFamily="2" charset="-122"/>
+              </a:rPr>
+              <a:t>d,e</a:t>
             </a:r>
             <a:endParaRPr lang="zh-CN" altLang="zh-CN" sz="1800" b="1" kern="100" dirty="0">
               <a:effectLst/>
@@ -10793,10 +10939,10 @@
       </p:sp>
       <p:pic>
         <p:nvPicPr>
-          <p:cNvPr id="4" name="图片 3">
+          <p:cNvPr id="6" name="图片 5">
             <a:extLst>
               <a:ext uri="{FF2B5EF4-FFF2-40B4-BE49-F238E27FC236}">
-                <a16:creationId xmlns:a16="http://schemas.microsoft.com/office/drawing/2014/main" id="{7356C2D9-A47F-F041-3A57-7F3A48CD8E96}"/>
+                <a16:creationId xmlns:a16="http://schemas.microsoft.com/office/drawing/2014/main" id="{84B0F8CE-26A5-A7CF-A054-89352865F787}"/>
               </a:ext>
             </a:extLst>
           </p:cNvPr>
@@ -10813,8 +10959,8 @@
         </p:blipFill>
         <p:spPr>
           <a:xfrm>
-            <a:off x="1514475" y="1591564"/>
-            <a:ext cx="5405071" cy="4483576"/>
+            <a:off x="1251678" y="1874517"/>
+            <a:ext cx="4882330" cy="4049956"/>
           </a:xfrm>
           <a:prstGeom prst="rect">
             <a:avLst/>
@@ -10824,7 +10970,7 @@
     </p:spTree>
     <p:extLst>
       <p:ext uri="{BB962C8B-B14F-4D97-AF65-F5344CB8AC3E}">
-        <p14:creationId xmlns:p14="http://schemas.microsoft.com/office/powerpoint/2010/main" val="1661550525"/>
+        <p14:creationId xmlns:p14="http://schemas.microsoft.com/office/powerpoint/2010/main" val="1809451825"/>
       </p:ext>
     </p:extLst>
   </p:cSld>
@@ -10970,7 +11116,7 @@
         <p:spPr>
           <a:xfrm>
             <a:off x="991333" y="1242751"/>
-            <a:ext cx="10939829" cy="637354"/>
+            <a:ext cx="10939829" cy="355995"/>
           </a:xfrm>
           <a:prstGeom prst="rect">
             <a:avLst/>
@@ -10991,82 +11137,34 @@
             <a:r>
               <a:rPr lang="zh-CN" altLang="zh-CN" sz="1800" b="1" kern="100" dirty="0">
                 <a:effectLst/>
-                <a:latin typeface="Times New Roman" panose="02020603050405020304" pitchFamily="18" charset="0"/>
                 <a:ea typeface="宋体" panose="02010600030101010101" pitchFamily="2" charset="-122"/>
+                <a:cs typeface="Times New Roman" panose="02020603050405020304" pitchFamily="18" charset="0"/>
               </a:rPr>
-              <a:t>状态切换到添加边，</a:t>
+              <a:t>点击</a:t>
+            </a:r>
+            <a:r>
+              <a:rPr lang="en-US" altLang="zh-CN" sz="1800" b="1" kern="100" dirty="0">
+                <a:effectLst/>
+                <a:ea typeface="宋体" panose="02010600030101010101" pitchFamily="2" charset="-122"/>
+                <a:cs typeface="Times New Roman" panose="02020603050405020304" pitchFamily="18" charset="0"/>
+              </a:rPr>
+              <a:t>OK</a:t>
             </a:r>
             <a:r>
               <a:rPr lang="zh-CN" altLang="zh-CN" sz="1800" b="1" kern="100" dirty="0">
                 <a:effectLst/>
-                <a:latin typeface="Times New Roman" panose="02020603050405020304" pitchFamily="18" charset="0"/>
                 <a:ea typeface="宋体" panose="02010600030101010101" pitchFamily="2" charset="-122"/>
-                <a:cs typeface="宋体" panose="02010600030101010101" pitchFamily="2" charset="-122"/>
+                <a:cs typeface="Times New Roman" panose="02020603050405020304" pitchFamily="18" charset="0"/>
               </a:rPr>
-              <a:t>点击绘图区一个地方，弹出窗口，输入起点为</a:t>
-            </a:r>
-            <a:r>
-              <a:rPr lang="en-US" altLang="zh-CN" sz="1800" b="1" kern="100" dirty="0">
+              <a:t>按钮绘制边，显示如下</a:t>
+            </a:r>
+            <a:r>
+              <a:rPr lang="zh-CN" altLang="en-US" sz="1800" b="1" kern="100" dirty="0">
                 <a:effectLst/>
-                <a:latin typeface="Times New Roman" panose="02020603050405020304" pitchFamily="18" charset="0"/>
                 <a:ea typeface="宋体" panose="02010600030101010101" pitchFamily="2" charset="-122"/>
-                <a:cs typeface="宋体" panose="02010600030101010101" pitchFamily="2" charset="-122"/>
+                <a:cs typeface="Times New Roman" panose="02020603050405020304" pitchFamily="18" charset="0"/>
               </a:rPr>
-              <a:t>A</a:t>
-            </a:r>
-            <a:r>
-              <a:rPr lang="zh-CN" altLang="zh-CN" sz="1800" b="1" kern="100" dirty="0">
-                <a:effectLst/>
-                <a:latin typeface="Times New Roman" panose="02020603050405020304" pitchFamily="18" charset="0"/>
-                <a:ea typeface="宋体" panose="02010600030101010101" pitchFamily="2" charset="-122"/>
-                <a:cs typeface="宋体" panose="02010600030101010101" pitchFamily="2" charset="-122"/>
-              </a:rPr>
-              <a:t>，终点为</a:t>
-            </a:r>
-            <a:r>
-              <a:rPr lang="en-US" altLang="zh-CN" sz="1800" b="1" kern="100" dirty="0">
-                <a:effectLst/>
-                <a:latin typeface="Times New Roman" panose="02020603050405020304" pitchFamily="18" charset="0"/>
-                <a:ea typeface="宋体" panose="02010600030101010101" pitchFamily="2" charset="-122"/>
-                <a:cs typeface="宋体" panose="02010600030101010101" pitchFamily="2" charset="-122"/>
-              </a:rPr>
-              <a:t>B</a:t>
-            </a:r>
-            <a:r>
-              <a:rPr lang="zh-CN" altLang="zh-CN" sz="1800" b="1" kern="100" dirty="0">
-                <a:effectLst/>
-                <a:latin typeface="Times New Roman" panose="02020603050405020304" pitchFamily="18" charset="0"/>
-                <a:ea typeface="宋体" panose="02010600030101010101" pitchFamily="2" charset="-122"/>
-                <a:cs typeface="宋体" panose="02010600030101010101" pitchFamily="2" charset="-122"/>
-              </a:rPr>
-              <a:t>，正向边信息填</a:t>
-            </a:r>
-            <a:r>
-              <a:rPr lang="en-US" altLang="zh-CN" sz="1800" b="1" kern="100" dirty="0" err="1">
-                <a:effectLst/>
-                <a:latin typeface="Times New Roman" panose="02020603050405020304" pitchFamily="18" charset="0"/>
-                <a:ea typeface="宋体" panose="02010600030101010101" pitchFamily="2" charset="-122"/>
-                <a:cs typeface="宋体" panose="02010600030101010101" pitchFamily="2" charset="-122"/>
-              </a:rPr>
-              <a:t>a,b,c</a:t>
-            </a:r>
-            <a:r>
-              <a:rPr lang="zh-CN" altLang="zh-CN" sz="1800" b="1" kern="100" dirty="0">
-                <a:effectLst/>
-                <a:latin typeface="Times New Roman" panose="02020603050405020304" pitchFamily="18" charset="0"/>
-                <a:ea typeface="宋体" panose="02010600030101010101" pitchFamily="2" charset="-122"/>
-                <a:cs typeface="宋体" panose="02010600030101010101" pitchFamily="2" charset="-122"/>
-              </a:rPr>
-              <a:t>，反向边信息填</a:t>
-            </a:r>
-            <a:r>
-              <a:rPr lang="en-US" altLang="zh-CN" sz="1800" b="1" kern="100" dirty="0" err="1">
-                <a:effectLst/>
-                <a:latin typeface="Times New Roman" panose="02020603050405020304" pitchFamily="18" charset="0"/>
-                <a:ea typeface="宋体" panose="02010600030101010101" pitchFamily="2" charset="-122"/>
-                <a:cs typeface="宋体" panose="02010600030101010101" pitchFamily="2" charset="-122"/>
-              </a:rPr>
-              <a:t>d,e</a:t>
+              <a:t>：</a:t>
             </a:r>
             <a:endParaRPr lang="zh-CN" altLang="zh-CN" sz="1800" b="1" kern="100" dirty="0">
               <a:effectLst/>
@@ -11078,10 +11176,10 @@
       </p:sp>
       <p:pic>
         <p:nvPicPr>
-          <p:cNvPr id="6" name="图片 5">
+          <p:cNvPr id="4" name="图片 3">
             <a:extLst>
               <a:ext uri="{FF2B5EF4-FFF2-40B4-BE49-F238E27FC236}">
-                <a16:creationId xmlns:a16="http://schemas.microsoft.com/office/drawing/2014/main" id="{84B0F8CE-26A5-A7CF-A054-89352865F787}"/>
+                <a16:creationId xmlns:a16="http://schemas.microsoft.com/office/drawing/2014/main" id="{16B80D75-C7F0-292D-3D19-17D8B525C180}"/>
               </a:ext>
             </a:extLst>
           </p:cNvPr>
@@ -11098,8 +11196,8 @@
         </p:blipFill>
         <p:spPr>
           <a:xfrm>
-            <a:off x="1251678" y="1874517"/>
-            <a:ext cx="4882330" cy="4049956"/>
+            <a:off x="1251678" y="1598746"/>
+            <a:ext cx="5285108" cy="4384065"/>
           </a:xfrm>
           <a:prstGeom prst="rect">
             <a:avLst/>
@@ -11109,7 +11207,7 @@
     </p:spTree>
     <p:extLst>
       <p:ext uri="{BB962C8B-B14F-4D97-AF65-F5344CB8AC3E}">
-        <p14:creationId xmlns:p14="http://schemas.microsoft.com/office/powerpoint/2010/main" val="1809451825"/>
+        <p14:creationId xmlns:p14="http://schemas.microsoft.com/office/powerpoint/2010/main" val="4174234113"/>
       </p:ext>
     </p:extLst>
   </p:cSld>
@@ -11274,243 +11372,6 @@
               </a:lnSpc>
             </a:pPr>
             <a:r>
-              <a:rPr lang="zh-CN" altLang="zh-CN" sz="1800" b="1" kern="100" dirty="0">
-                <a:effectLst/>
-                <a:ea typeface="宋体" panose="02010600030101010101" pitchFamily="2" charset="-122"/>
-                <a:cs typeface="Times New Roman" panose="02020603050405020304" pitchFamily="18" charset="0"/>
-              </a:rPr>
-              <a:t>点击</a:t>
-            </a:r>
-            <a:r>
-              <a:rPr lang="en-US" altLang="zh-CN" sz="1800" b="1" kern="100" dirty="0">
-                <a:effectLst/>
-                <a:ea typeface="宋体" panose="02010600030101010101" pitchFamily="2" charset="-122"/>
-                <a:cs typeface="Times New Roman" panose="02020603050405020304" pitchFamily="18" charset="0"/>
-              </a:rPr>
-              <a:t>OK</a:t>
-            </a:r>
-            <a:r>
-              <a:rPr lang="zh-CN" altLang="zh-CN" sz="1800" b="1" kern="100" dirty="0">
-                <a:effectLst/>
-                <a:ea typeface="宋体" panose="02010600030101010101" pitchFamily="2" charset="-122"/>
-                <a:cs typeface="Times New Roman" panose="02020603050405020304" pitchFamily="18" charset="0"/>
-              </a:rPr>
-              <a:t>按钮绘制边，显示如下</a:t>
-            </a:r>
-            <a:r>
-              <a:rPr lang="zh-CN" altLang="en-US" sz="1800" b="1" kern="100" dirty="0">
-                <a:effectLst/>
-                <a:ea typeface="宋体" panose="02010600030101010101" pitchFamily="2" charset="-122"/>
-                <a:cs typeface="Times New Roman" panose="02020603050405020304" pitchFamily="18" charset="0"/>
-              </a:rPr>
-              <a:t>：</a:t>
-            </a:r>
-            <a:endParaRPr lang="zh-CN" altLang="zh-CN" sz="1800" b="1" kern="100" dirty="0">
-              <a:effectLst/>
-              <a:latin typeface="Times New Roman" panose="02020603050405020304" pitchFamily="18" charset="0"/>
-              <a:ea typeface="宋体" panose="02010600030101010101" pitchFamily="2" charset="-122"/>
-            </a:endParaRPr>
-          </a:p>
-        </p:txBody>
-      </p:sp>
-      <p:pic>
-        <p:nvPicPr>
-          <p:cNvPr id="4" name="图片 3">
-            <a:extLst>
-              <a:ext uri="{FF2B5EF4-FFF2-40B4-BE49-F238E27FC236}">
-                <a16:creationId xmlns:a16="http://schemas.microsoft.com/office/drawing/2014/main" id="{16B80D75-C7F0-292D-3D19-17D8B525C180}"/>
-              </a:ext>
-            </a:extLst>
-          </p:cNvPr>
-          <p:cNvPicPr>
-            <a:picLocks noChangeAspect="1"/>
-          </p:cNvPicPr>
-          <p:nvPr/>
-        </p:nvPicPr>
-        <p:blipFill>
-          <a:blip r:embed="rId2"/>
-          <a:stretch>
-            <a:fillRect/>
-          </a:stretch>
-        </p:blipFill>
-        <p:spPr>
-          <a:xfrm>
-            <a:off x="1251678" y="1598746"/>
-            <a:ext cx="5285108" cy="4384065"/>
-          </a:xfrm>
-          <a:prstGeom prst="rect">
-            <a:avLst/>
-          </a:prstGeom>
-        </p:spPr>
-      </p:pic>
-    </p:spTree>
-    <p:extLst>
-      <p:ext uri="{BB962C8B-B14F-4D97-AF65-F5344CB8AC3E}">
-        <p14:creationId xmlns:p14="http://schemas.microsoft.com/office/powerpoint/2010/main" val="4174234113"/>
-      </p:ext>
-    </p:extLst>
-  </p:cSld>
-  <p:clrMapOvr>
-    <a:masterClrMapping/>
-  </p:clrMapOvr>
-</p:sld>
-</file>
-
-<file path=ppt/slides/slide26.xml><?xml version="1.0" encoding="utf-8"?>
-<p:sld xmlns:a="http://schemas.openxmlformats.org/drawingml/2006/main" xmlns:r="http://schemas.openxmlformats.org/officeDocument/2006/relationships" xmlns:p="http://schemas.openxmlformats.org/presentationml/2006/main">
-  <p:cSld>
-    <p:spTree>
-      <p:nvGrpSpPr>
-        <p:cNvPr id="1" name=""/>
-        <p:cNvGrpSpPr/>
-        <p:nvPr/>
-      </p:nvGrpSpPr>
-      <p:grpSpPr>
-        <a:xfrm>
-          <a:off x="0" y="0"/>
-          <a:ext cx="0" cy="0"/>
-          <a:chOff x="0" y="0"/>
-          <a:chExt cx="0" cy="0"/>
-        </a:xfrm>
-      </p:grpSpPr>
-      <p:sp>
-        <p:nvSpPr>
-          <p:cNvPr id="3" name="标题 1">
-            <a:extLst>
-              <a:ext uri="{FF2B5EF4-FFF2-40B4-BE49-F238E27FC236}">
-                <a16:creationId xmlns:a16="http://schemas.microsoft.com/office/drawing/2014/main" id="{EFE3B30E-0F97-3FAA-6CB2-AD55479E681C}"/>
-              </a:ext>
-            </a:extLst>
-          </p:cNvPr>
-          <p:cNvSpPr txBox="1">
-            <a:spLocks/>
-          </p:cNvSpPr>
-          <p:nvPr/>
-        </p:nvSpPr>
-        <p:spPr>
-          <a:xfrm>
-            <a:off x="1251678" y="382385"/>
-            <a:ext cx="10450884" cy="1492132"/>
-          </a:xfrm>
-          <a:prstGeom prst="rect">
-            <a:avLst/>
-          </a:prstGeom>
-        </p:spPr>
-        <p:txBody>
-          <a:bodyPr>
-            <a:normAutofit/>
-          </a:bodyPr>
-          <a:lstStyle>
-            <a:lvl1pPr algn="l" defTabSz="914400" rtl="0" eaLnBrk="1" latinLnBrk="0" hangingPunct="1">
-              <a:lnSpc>
-                <a:spcPct val="90000"/>
-              </a:lnSpc>
-              <a:spcBef>
-                <a:spcPct val="0"/>
-              </a:spcBef>
-              <a:buNone/>
-              <a:defRPr sz="5100" kern="1200" cap="all" spc="200" baseline="0">
-                <a:solidFill>
-                  <a:schemeClr val="tx2"/>
-                </a:solidFill>
-                <a:latin typeface="+mj-lt"/>
-                <a:ea typeface="+mj-ea"/>
-                <a:cs typeface="+mj-cs"/>
-              </a:defRPr>
-            </a:lvl1pPr>
-          </a:lstStyle>
-          <a:p>
-            <a:r>
-              <a:rPr lang="zh-CN" altLang="en-US" sz="5400" b="1" spc="400" dirty="0">
-                <a:solidFill>
-                  <a:srgbClr val="F8B323"/>
-                </a:solidFill>
-                <a:latin typeface="Gill Sans MT" panose="020B0502020104020203"/>
-                <a:ea typeface="华文中宋" panose="02010600040101010101" pitchFamily="2" charset="-122"/>
-                <a:cs typeface="+mn-cs"/>
-              </a:rPr>
-              <a:t>测试用例</a:t>
-            </a:r>
-            <a:r>
-              <a:rPr lang="en-US" altLang="zh-CN" sz="5400" b="1" spc="400" dirty="0">
-                <a:solidFill>
-                  <a:srgbClr val="F8B323"/>
-                </a:solidFill>
-                <a:latin typeface="Gill Sans MT" panose="020B0502020104020203"/>
-                <a:ea typeface="华文中宋" panose="02010600040101010101" pitchFamily="2" charset="-122"/>
-                <a:cs typeface="+mn-cs"/>
-              </a:rPr>
-              <a:t>1</a:t>
-            </a:r>
-            <a:r>
-              <a:rPr lang="zh-CN" altLang="en-US" sz="5400" b="1" spc="400" dirty="0">
-                <a:solidFill>
-                  <a:srgbClr val="F8B323"/>
-                </a:solidFill>
-                <a:latin typeface="Gill Sans MT" panose="020B0502020104020203"/>
-                <a:ea typeface="华文中宋" panose="02010600040101010101" pitchFamily="2" charset="-122"/>
-                <a:cs typeface="+mn-cs"/>
-              </a:rPr>
-              <a:t>：绘</a:t>
-            </a:r>
-            <a:r>
-              <a:rPr lang="zh-CN" altLang="zh-CN" sz="5400" b="1" spc="400" dirty="0">
-                <a:solidFill>
-                  <a:srgbClr val="F8B323"/>
-                </a:solidFill>
-                <a:latin typeface="Gill Sans MT" panose="020B0502020104020203"/>
-                <a:ea typeface="华文中宋" panose="02010600040101010101" pitchFamily="2" charset="-122"/>
-                <a:cs typeface="+mn-cs"/>
-              </a:rPr>
-              <a:t>制自动机状态图</a:t>
-            </a:r>
-          </a:p>
-          <a:p>
-            <a:endParaRPr lang="zh-CN" altLang="zh-CN" sz="1800" kern="100" dirty="0">
-              <a:effectLst/>
-              <a:latin typeface="Times New Roman" panose="02020603050405020304" pitchFamily="18" charset="0"/>
-              <a:ea typeface="宋体" panose="02010600030101010101" pitchFamily="2" charset="-122"/>
-            </a:endParaRPr>
-          </a:p>
-          <a:p>
-            <a:endParaRPr lang="zh-CN" altLang="en-US" dirty="0"/>
-          </a:p>
-        </p:txBody>
-      </p:sp>
-      <p:sp>
-        <p:nvSpPr>
-          <p:cNvPr id="5" name="文本框 4">
-            <a:extLst>
-              <a:ext uri="{FF2B5EF4-FFF2-40B4-BE49-F238E27FC236}">
-                <a16:creationId xmlns:a16="http://schemas.microsoft.com/office/drawing/2014/main" id="{CFFD9905-DCA7-7316-3CA9-2C5F3711382A}"/>
-              </a:ext>
-            </a:extLst>
-          </p:cNvPr>
-          <p:cNvSpPr txBox="1"/>
-          <p:nvPr/>
-        </p:nvSpPr>
-        <p:spPr>
-          <a:xfrm>
-            <a:off x="991333" y="1242751"/>
-            <a:ext cx="10939829" cy="355995"/>
-          </a:xfrm>
-          <a:prstGeom prst="rect">
-            <a:avLst/>
-          </a:prstGeom>
-          <a:noFill/>
-        </p:spPr>
-        <p:txBody>
-          <a:bodyPr wrap="square">
-            <a:spAutoFit/>
-          </a:bodyPr>
-          <a:lstStyle/>
-          <a:p>
-            <a:pPr indent="304800" algn="just">
-              <a:lnSpc>
-                <a:spcPts val="2200"/>
-              </a:lnSpc>
-            </a:pPr>
-            <a:r>
               <a:rPr lang="zh-CN" altLang="en-US" sz="1800" b="1" kern="100" dirty="0">
                 <a:effectLst/>
                 <a:ea typeface="宋体" panose="02010600030101010101" pitchFamily="2" charset="-122"/>
@@ -11569,7 +11430,7 @@
 </p:sld>
 </file>
 
-<file path=ppt/slides/slide27.xml><?xml version="1.0" encoding="utf-8"?>
+<file path=ppt/slides/slide26.xml><?xml version="1.0" encoding="utf-8"?>
 <p:sld xmlns:a="http://schemas.openxmlformats.org/drawingml/2006/main" xmlns:r="http://schemas.openxmlformats.org/officeDocument/2006/relationships" xmlns:p="http://schemas.openxmlformats.org/presentationml/2006/main">
   <p:cSld>
     <p:spTree>
@@ -11819,6 +11680,215 @@
 </p:sld>
 </file>
 
+<file path=ppt/slides/slide27.xml><?xml version="1.0" encoding="utf-8"?>
+<p:sld xmlns:a="http://schemas.openxmlformats.org/drawingml/2006/main" xmlns:r="http://schemas.openxmlformats.org/officeDocument/2006/relationships" xmlns:p="http://schemas.openxmlformats.org/presentationml/2006/main">
+  <p:cSld>
+    <p:spTree>
+      <p:nvGrpSpPr>
+        <p:cNvPr id="1" name=""/>
+        <p:cNvGrpSpPr/>
+        <p:nvPr/>
+      </p:nvGrpSpPr>
+      <p:grpSpPr>
+        <a:xfrm>
+          <a:off x="0" y="0"/>
+          <a:ext cx="0" cy="0"/>
+          <a:chOff x="0" y="0"/>
+          <a:chExt cx="0" cy="0"/>
+        </a:xfrm>
+      </p:grpSpPr>
+      <p:sp>
+        <p:nvSpPr>
+          <p:cNvPr id="3" name="标题 1">
+            <a:extLst>
+              <a:ext uri="{FF2B5EF4-FFF2-40B4-BE49-F238E27FC236}">
+                <a16:creationId xmlns:a16="http://schemas.microsoft.com/office/drawing/2014/main" id="{EFE3B30E-0F97-3FAA-6CB2-AD55479E681C}"/>
+              </a:ext>
+            </a:extLst>
+          </p:cNvPr>
+          <p:cNvSpPr txBox="1">
+            <a:spLocks/>
+          </p:cNvSpPr>
+          <p:nvPr/>
+        </p:nvSpPr>
+        <p:spPr>
+          <a:xfrm>
+            <a:off x="1251678" y="382385"/>
+            <a:ext cx="10450884" cy="1492132"/>
+          </a:xfrm>
+          <a:prstGeom prst="rect">
+            <a:avLst/>
+          </a:prstGeom>
+        </p:spPr>
+        <p:txBody>
+          <a:bodyPr>
+            <a:normAutofit/>
+          </a:bodyPr>
+          <a:lstStyle>
+            <a:lvl1pPr algn="l" defTabSz="914400" rtl="0" eaLnBrk="1" latinLnBrk="0" hangingPunct="1">
+              <a:lnSpc>
+                <a:spcPct val="90000"/>
+              </a:lnSpc>
+              <a:spcBef>
+                <a:spcPct val="0"/>
+              </a:spcBef>
+              <a:buNone/>
+              <a:defRPr sz="5100" kern="1200" cap="all" spc="200" baseline="0">
+                <a:solidFill>
+                  <a:schemeClr val="tx2"/>
+                </a:solidFill>
+                <a:latin typeface="+mj-lt"/>
+                <a:ea typeface="+mj-ea"/>
+                <a:cs typeface="+mj-cs"/>
+              </a:defRPr>
+            </a:lvl1pPr>
+          </a:lstStyle>
+          <a:p>
+            <a:r>
+              <a:rPr lang="zh-CN" altLang="en-US" sz="4800" b="1" spc="400" dirty="0">
+                <a:solidFill>
+                  <a:srgbClr val="F8B323"/>
+                </a:solidFill>
+                <a:latin typeface="Gill Sans MT" panose="020B0502020104020203"/>
+                <a:ea typeface="华文中宋" panose="02010600040101010101" pitchFamily="2" charset="-122"/>
+                <a:cs typeface="+mn-cs"/>
+              </a:rPr>
+              <a:t>测试用例</a:t>
+            </a:r>
+            <a:r>
+              <a:rPr lang="en-US" altLang="zh-CN" sz="4800" b="1" spc="400" dirty="0">
+                <a:solidFill>
+                  <a:srgbClr val="F8B323"/>
+                </a:solidFill>
+                <a:latin typeface="Gill Sans MT" panose="020B0502020104020203"/>
+                <a:ea typeface="华文中宋" panose="02010600040101010101" pitchFamily="2" charset="-122"/>
+                <a:cs typeface="+mn-cs"/>
+              </a:rPr>
+              <a:t>2</a:t>
+            </a:r>
+            <a:r>
+              <a:rPr lang="zh-CN" altLang="en-US" sz="4800" b="1" spc="400" dirty="0">
+                <a:solidFill>
+                  <a:srgbClr val="F8B323"/>
+                </a:solidFill>
+                <a:latin typeface="Gill Sans MT" panose="020B0502020104020203"/>
+                <a:ea typeface="华文中宋" panose="02010600040101010101" pitchFamily="2" charset="-122"/>
+                <a:cs typeface="+mn-cs"/>
+              </a:rPr>
+              <a:t>：状态图和文件的转换</a:t>
+            </a:r>
+            <a:endParaRPr lang="zh-CN" altLang="zh-CN" sz="4800" b="1" spc="400" dirty="0">
+              <a:solidFill>
+                <a:srgbClr val="F8B323"/>
+              </a:solidFill>
+              <a:latin typeface="Gill Sans MT" panose="020B0502020104020203"/>
+              <a:ea typeface="华文中宋" panose="02010600040101010101" pitchFamily="2" charset="-122"/>
+              <a:cs typeface="+mn-cs"/>
+            </a:endParaRPr>
+          </a:p>
+          <a:p>
+            <a:endParaRPr lang="zh-CN" altLang="zh-CN" sz="1800" kern="100" dirty="0">
+              <a:effectLst/>
+              <a:latin typeface="Times New Roman" panose="02020603050405020304" pitchFamily="18" charset="0"/>
+              <a:ea typeface="宋体" panose="02010600030101010101" pitchFamily="2" charset="-122"/>
+            </a:endParaRPr>
+          </a:p>
+          <a:p>
+            <a:endParaRPr lang="zh-CN" altLang="en-US" dirty="0"/>
+          </a:p>
+        </p:txBody>
+      </p:sp>
+      <p:sp>
+        <p:nvSpPr>
+          <p:cNvPr id="5" name="文本框 4">
+            <a:extLst>
+              <a:ext uri="{FF2B5EF4-FFF2-40B4-BE49-F238E27FC236}">
+                <a16:creationId xmlns:a16="http://schemas.microsoft.com/office/drawing/2014/main" id="{CFFD9905-DCA7-7316-3CA9-2C5F3711382A}"/>
+              </a:ext>
+            </a:extLst>
+          </p:cNvPr>
+          <p:cNvSpPr txBox="1"/>
+          <p:nvPr/>
+        </p:nvSpPr>
+        <p:spPr>
+          <a:xfrm>
+            <a:off x="991333" y="1242751"/>
+            <a:ext cx="10939829" cy="355995"/>
+          </a:xfrm>
+          <a:prstGeom prst="rect">
+            <a:avLst/>
+          </a:prstGeom>
+          <a:noFill/>
+        </p:spPr>
+        <p:txBody>
+          <a:bodyPr wrap="square">
+            <a:spAutoFit/>
+          </a:bodyPr>
+          <a:lstStyle/>
+          <a:p>
+            <a:pPr indent="304800" algn="just">
+              <a:lnSpc>
+                <a:spcPts val="2200"/>
+              </a:lnSpc>
+            </a:pPr>
+            <a:r>
+              <a:rPr lang="zh-CN" altLang="en-US" b="1" kern="100" dirty="0">
+                <a:latin typeface="Times New Roman" panose="02020603050405020304" pitchFamily="18" charset="0"/>
+                <a:ea typeface="宋体" panose="02010600030101010101" pitchFamily="2" charset="-122"/>
+              </a:rPr>
+              <a:t>点击打开按钮，自动在画布上绘制状态图</a:t>
+            </a:r>
+            <a:endParaRPr lang="zh-CN" altLang="zh-CN" sz="1800" b="1" kern="100" dirty="0">
+              <a:effectLst/>
+              <a:latin typeface="Times New Roman" panose="02020603050405020304" pitchFamily="18" charset="0"/>
+              <a:ea typeface="宋体" panose="02010600030101010101" pitchFamily="2" charset="-122"/>
+            </a:endParaRPr>
+          </a:p>
+        </p:txBody>
+      </p:sp>
+      <p:pic>
+        <p:nvPicPr>
+          <p:cNvPr id="4" name="图片 3">
+            <a:extLst>
+              <a:ext uri="{FF2B5EF4-FFF2-40B4-BE49-F238E27FC236}">
+                <a16:creationId xmlns:a16="http://schemas.microsoft.com/office/drawing/2014/main" id="{A2C842CC-EA6F-9EE1-4E9A-810793A7DD44}"/>
+              </a:ext>
+            </a:extLst>
+          </p:cNvPr>
+          <p:cNvPicPr>
+            <a:picLocks noChangeAspect="1"/>
+          </p:cNvPicPr>
+          <p:nvPr/>
+        </p:nvPicPr>
+        <p:blipFill>
+          <a:blip r:embed="rId2"/>
+          <a:stretch>
+            <a:fillRect/>
+          </a:stretch>
+        </p:blipFill>
+        <p:spPr>
+          <a:xfrm>
+            <a:off x="1251678" y="1598746"/>
+            <a:ext cx="5126117" cy="4252180"/>
+          </a:xfrm>
+          <a:prstGeom prst="rect">
+            <a:avLst/>
+          </a:prstGeom>
+        </p:spPr>
+      </p:pic>
+    </p:spTree>
+    <p:extLst>
+      <p:ext uri="{BB962C8B-B14F-4D97-AF65-F5344CB8AC3E}">
+        <p14:creationId xmlns:p14="http://schemas.microsoft.com/office/powerpoint/2010/main" val="567653439"/>
+      </p:ext>
+    </p:extLst>
+  </p:cSld>
+  <p:clrMapOvr>
+    <a:masterClrMapping/>
+  </p:clrMapOvr>
+</p:sld>
+</file>
+
 <file path=ppt/slides/slide28.xml><?xml version="1.0" encoding="utf-8"?>
 <p:sld xmlns:a="http://schemas.openxmlformats.org/drawingml/2006/main" xmlns:r="http://schemas.openxmlformats.org/officeDocument/2006/relationships" xmlns:p="http://schemas.openxmlformats.org/presentationml/2006/main">
   <p:cSld>
@@ -11884,7 +11954,7 @@
           </a:lstStyle>
           <a:p>
             <a:r>
-              <a:rPr lang="zh-CN" altLang="en-US" sz="4800" b="1" spc="400" dirty="0">
+              <a:rPr lang="zh-CN" altLang="en-US" sz="4400" b="1" spc="400" dirty="0">
                 <a:solidFill>
                   <a:srgbClr val="F8B323"/>
                 </a:solidFill>
@@ -11895,7 +11965,7 @@
               <a:t>测试用例</a:t>
             </a:r>
             <a:r>
-              <a:rPr lang="en-US" altLang="zh-CN" sz="4800" b="1" spc="400" dirty="0">
+              <a:rPr lang="en-US" altLang="zh-CN" sz="4400" b="1" spc="400" dirty="0">
                 <a:solidFill>
                   <a:srgbClr val="F8B323"/>
                 </a:solidFill>
@@ -11903,10 +11973,10 @@
                 <a:ea typeface="华文中宋" panose="02010600040101010101" pitchFamily="2" charset="-122"/>
                 <a:cs typeface="+mn-cs"/>
               </a:rPr>
-              <a:t>2</a:t>
-            </a:r>
-            <a:r>
-              <a:rPr lang="zh-CN" altLang="en-US" sz="4800" b="1" spc="400" dirty="0">
+              <a:t>3</a:t>
+            </a:r>
+            <a:r>
+              <a:rPr lang="zh-CN" altLang="en-US" sz="4400" b="1" spc="400" dirty="0">
                 <a:solidFill>
                   <a:srgbClr val="F8B323"/>
                 </a:solidFill>
@@ -11914,9 +11984,9 @@
                 <a:ea typeface="华文中宋" panose="02010600040101010101" pitchFamily="2" charset="-122"/>
                 <a:cs typeface="+mn-cs"/>
               </a:rPr>
-              <a:t>：状态图和文件的转换</a:t>
-            </a:r>
-            <a:endParaRPr lang="zh-CN" altLang="zh-CN" sz="4800" b="1" spc="400" dirty="0">
+              <a:t>：状态图和状态矩阵的转换</a:t>
+            </a:r>
+            <a:endParaRPr lang="zh-CN" altLang="zh-CN" sz="4400" b="1" spc="400" dirty="0">
               <a:solidFill>
                 <a:srgbClr val="F8B323"/>
               </a:solidFill>
@@ -11971,11 +12041,31 @@
               </a:lnSpc>
             </a:pPr>
             <a:r>
-              <a:rPr lang="zh-CN" altLang="en-US" b="1" kern="100" dirty="0">
+              <a:rPr lang="zh-CN" altLang="zh-CN" sz="1800" b="1" kern="100" dirty="0">
+                <a:effectLst/>
                 <a:latin typeface="Times New Roman" panose="02020603050405020304" pitchFamily="18" charset="0"/>
                 <a:ea typeface="宋体" panose="02010600030101010101" pitchFamily="2" charset="-122"/>
+                <a:cs typeface="宋体" panose="02010600030101010101" pitchFamily="2" charset="-122"/>
               </a:rPr>
-              <a:t>点击打开按钮，自动在画布上绘制状态图</a:t>
+              <a:t>使用测试用例</a:t>
+            </a:r>
+            <a:r>
+              <a:rPr lang="en-US" altLang="zh-CN" sz="1800" b="1" kern="100" dirty="0">
+                <a:effectLst/>
+                <a:latin typeface="Times New Roman" panose="02020603050405020304" pitchFamily="18" charset="0"/>
+                <a:ea typeface="宋体" panose="02010600030101010101" pitchFamily="2" charset="-122"/>
+                <a:cs typeface="宋体" panose="02010600030101010101" pitchFamily="2" charset="-122"/>
+              </a:rPr>
+              <a:t>2</a:t>
+            </a:r>
+            <a:r>
+              <a:rPr lang="zh-CN" altLang="zh-CN" sz="1800" b="1" kern="100" dirty="0">
+                <a:effectLst/>
+                <a:latin typeface="Times New Roman" panose="02020603050405020304" pitchFamily="18" charset="0"/>
+                <a:ea typeface="宋体" panose="02010600030101010101" pitchFamily="2" charset="-122"/>
+                <a:cs typeface="宋体" panose="02010600030101010101" pitchFamily="2" charset="-122"/>
+              </a:rPr>
+              <a:t>的数据，点击侧边栏“导出为矩阵”，结果如下</a:t>
             </a:r>
             <a:endParaRPr lang="zh-CN" altLang="zh-CN" sz="1800" b="1" kern="100" dirty="0">
               <a:effectLst/>
@@ -11987,38 +12077,68 @@
       </p:sp>
       <p:pic>
         <p:nvPicPr>
-          <p:cNvPr id="4" name="图片 3">
+          <p:cNvPr id="11267" name="图片 1">
             <a:extLst>
               <a:ext uri="{FF2B5EF4-FFF2-40B4-BE49-F238E27FC236}">
-                <a16:creationId xmlns:a16="http://schemas.microsoft.com/office/drawing/2014/main" id="{A2C842CC-EA6F-9EE1-4E9A-810793A7DD44}"/>
+                <a16:creationId xmlns:a16="http://schemas.microsoft.com/office/drawing/2014/main" id="{F4351440-D6CD-6B4F-4910-C2B97CFF1080}"/>
               </a:ext>
             </a:extLst>
           </p:cNvPr>
           <p:cNvPicPr>
-            <a:picLocks noChangeAspect="1"/>
+            <a:picLocks noChangeAspect="1" noChangeArrowheads="1"/>
           </p:cNvPicPr>
           <p:nvPr/>
         </p:nvPicPr>
         <p:blipFill>
-          <a:blip r:embed="rId2"/>
+          <a:blip r:embed="rId2">
+            <a:extLst>
+              <a:ext uri="{28A0092B-C50C-407E-A947-70E740481C1C}">
+                <a14:useLocalDpi xmlns:a14="http://schemas.microsoft.com/office/drawing/2010/main" val="0"/>
+              </a:ext>
+            </a:extLst>
+          </a:blip>
+          <a:srcRect/>
           <a:stretch>
             <a:fillRect/>
           </a:stretch>
         </p:blipFill>
-        <p:spPr>
+        <p:spPr bwMode="auto">
           <a:xfrm>
-            <a:off x="1251678" y="1598746"/>
-            <a:ext cx="5126117" cy="4252180"/>
+            <a:off x="1489075" y="1598746"/>
+            <a:ext cx="7637308" cy="4018390"/>
           </a:xfrm>
           <a:prstGeom prst="rect">
             <a:avLst/>
           </a:prstGeom>
+          <a:noFill/>
+          <a:ln>
+            <a:noFill/>
+          </a:ln>
+          <a:extLst>
+            <a:ext uri="{909E8E84-426E-40DD-AFC4-6F175D3DCCD1}">
+              <a14:hiddenFill xmlns:a14="http://schemas.microsoft.com/office/drawing/2010/main">
+                <a:solidFill>
+                  <a:srgbClr val="FFFFFF"/>
+                </a:solidFill>
+              </a14:hiddenFill>
+            </a:ext>
+            <a:ext uri="{91240B29-F687-4F45-9708-019B960494DF}">
+              <a14:hiddenLine xmlns:a14="http://schemas.microsoft.com/office/drawing/2010/main" w="9525">
+                <a:solidFill>
+                  <a:srgbClr val="000000"/>
+                </a:solidFill>
+                <a:miter lim="800000"/>
+                <a:headEnd/>
+                <a:tailEnd/>
+              </a14:hiddenLine>
+            </a:ext>
+          </a:extLst>
         </p:spPr>
       </p:pic>
     </p:spTree>
     <p:extLst>
       <p:ext uri="{BB962C8B-B14F-4D97-AF65-F5344CB8AC3E}">
-        <p14:creationId xmlns:p14="http://schemas.microsoft.com/office/powerpoint/2010/main" val="567653439"/>
+        <p14:creationId xmlns:p14="http://schemas.microsoft.com/office/powerpoint/2010/main" val="2976567569"/>
       </p:ext>
     </p:extLst>
   </p:cSld>
@@ -12176,7 +12296,7 @@
           <a:p>
             <a:pPr indent="304800" algn="just">
               <a:lnSpc>
-                <a:spcPts val="2200"/>
+                <a:spcPts val="2000"/>
               </a:lnSpc>
             </a:pPr>
             <a:r>
@@ -12186,7 +12306,7 @@
                 <a:ea typeface="宋体" panose="02010600030101010101" pitchFamily="2" charset="-122"/>
                 <a:cs typeface="宋体" panose="02010600030101010101" pitchFamily="2" charset="-122"/>
               </a:rPr>
-              <a:t>使用测试用例</a:t>
+              <a:t>点击从矩阵导入按钮，填写状态集</a:t>
             </a:r>
             <a:r>
               <a:rPr lang="en-US" altLang="zh-CN" sz="1800" b="1" kern="100" dirty="0">
@@ -12195,7 +12315,7 @@
                 <a:ea typeface="宋体" panose="02010600030101010101" pitchFamily="2" charset="-122"/>
                 <a:cs typeface="宋体" panose="02010600030101010101" pitchFamily="2" charset="-122"/>
               </a:rPr>
-              <a:t>2</a:t>
+              <a:t>K</a:t>
             </a:r>
             <a:r>
               <a:rPr lang="zh-CN" altLang="zh-CN" sz="1800" b="1" kern="100" dirty="0">
@@ -12204,22 +12324,61 @@
                 <a:ea typeface="宋体" panose="02010600030101010101" pitchFamily="2" charset="-122"/>
                 <a:cs typeface="宋体" panose="02010600030101010101" pitchFamily="2" charset="-122"/>
               </a:rPr>
-              <a:t>的数据，点击侧边栏“导出为矩阵”，结果如下</a:t>
-            </a:r>
-            <a:endParaRPr lang="zh-CN" altLang="zh-CN" sz="1800" b="1" kern="100" dirty="0">
-              <a:effectLst/>
-              <a:latin typeface="Times New Roman" panose="02020603050405020304" pitchFamily="18" charset="0"/>
-              <a:ea typeface="宋体" panose="02010600030101010101" pitchFamily="2" charset="-122"/>
-            </a:endParaRPr>
+              <a:t>、终态集</a:t>
+            </a:r>
+            <a:r>
+              <a:rPr lang="en-US" altLang="zh-CN" sz="1800" b="1" kern="100" dirty="0">
+                <a:effectLst/>
+                <a:latin typeface="Times New Roman" panose="02020603050405020304" pitchFamily="18" charset="0"/>
+                <a:ea typeface="宋体" panose="02010600030101010101" pitchFamily="2" charset="-122"/>
+                <a:cs typeface="宋体" panose="02010600030101010101" pitchFamily="2" charset="-122"/>
+              </a:rPr>
+              <a:t>Z</a:t>
+            </a:r>
+            <a:r>
+              <a:rPr lang="zh-CN" altLang="zh-CN" sz="1800" b="1" kern="100" dirty="0">
+                <a:effectLst/>
+                <a:latin typeface="Times New Roman" panose="02020603050405020304" pitchFamily="18" charset="0"/>
+                <a:ea typeface="宋体" panose="02010600030101010101" pitchFamily="2" charset="-122"/>
+                <a:cs typeface="宋体" panose="02010600030101010101" pitchFamily="2" charset="-122"/>
+              </a:rPr>
+              <a:t>、初态</a:t>
+            </a:r>
+            <a:r>
+              <a:rPr lang="en-US" altLang="zh-CN" sz="1800" b="1" kern="100" dirty="0">
+                <a:effectLst/>
+                <a:latin typeface="Times New Roman" panose="02020603050405020304" pitchFamily="18" charset="0"/>
+                <a:ea typeface="宋体" panose="02010600030101010101" pitchFamily="2" charset="-122"/>
+                <a:cs typeface="宋体" panose="02010600030101010101" pitchFamily="2" charset="-122"/>
+              </a:rPr>
+              <a:t>S</a:t>
+            </a:r>
+            <a:r>
+              <a:rPr lang="zh-CN" altLang="zh-CN" sz="1800" b="1" kern="100" dirty="0">
+                <a:effectLst/>
+                <a:latin typeface="Times New Roman" panose="02020603050405020304" pitchFamily="18" charset="0"/>
+                <a:ea typeface="宋体" panose="02010600030101010101" pitchFamily="2" charset="-122"/>
+                <a:cs typeface="宋体" panose="02010600030101010101" pitchFamily="2" charset="-122"/>
+              </a:rPr>
+              <a:t>、输入符号集</a:t>
+            </a:r>
+            <a:r>
+              <a:rPr lang="zh-CN" altLang="zh-CN" sz="1800" b="1" kern="100" dirty="0">
+                <a:effectLst/>
+                <a:latin typeface="Times New Roman" panose="02020603050405020304" pitchFamily="18" charset="0"/>
+                <a:ea typeface="宋体" panose="02010600030101010101" pitchFamily="2" charset="-122"/>
+              </a:rPr>
+              <a:t>Σ</a:t>
+            </a:r>
           </a:p>
         </p:txBody>
       </p:sp>
       <p:pic>
         <p:nvPicPr>
-          <p:cNvPr id="11267" name="图片 1">
+          <p:cNvPr id="12290" name="图片 1">
             <a:extLst>
               <a:ext uri="{FF2B5EF4-FFF2-40B4-BE49-F238E27FC236}">
-                <a16:creationId xmlns:a16="http://schemas.microsoft.com/office/drawing/2014/main" id="{F4351440-D6CD-6B4F-4910-C2B97CFF1080}"/>
+                <a16:creationId xmlns:a16="http://schemas.microsoft.com/office/drawing/2014/main" id="{FDB71307-09CA-7152-6B6F-75CD3AF772E1}"/>
               </a:ext>
             </a:extLst>
           </p:cNvPr>
@@ -12243,8 +12402,8 @@
         </p:blipFill>
         <p:spPr bwMode="auto">
           <a:xfrm>
-            <a:off x="1489075" y="1598746"/>
-            <a:ext cx="7637308" cy="4018390"/>
+            <a:off x="1429117" y="1598746"/>
+            <a:ext cx="3408362" cy="4056062"/>
           </a:xfrm>
           <a:prstGeom prst="rect">
             <a:avLst/>
@@ -12277,7 +12436,7 @@
     </p:spTree>
     <p:extLst>
       <p:ext uri="{BB962C8B-B14F-4D97-AF65-F5344CB8AC3E}">
-        <p14:creationId xmlns:p14="http://schemas.microsoft.com/office/powerpoint/2010/main" val="2976567569"/>
+        <p14:creationId xmlns:p14="http://schemas.microsoft.com/office/powerpoint/2010/main" val="4163473154"/>
       </p:ext>
     </p:extLst>
   </p:cSld>
@@ -12506,13 +12665,22 @@
               </a:lnSpc>
             </a:pPr>
             <a:r>
+              <a:rPr lang="zh-CN" altLang="en-US" sz="1800" b="1" kern="100" dirty="0">
+                <a:effectLst/>
+                <a:latin typeface="Times New Roman" panose="02020603050405020304" pitchFamily="18" charset="0"/>
+                <a:ea typeface="宋体" panose="02010600030101010101" pitchFamily="2" charset="-122"/>
+                <a:cs typeface="宋体" panose="02010600030101010101" pitchFamily="2" charset="-122"/>
+              </a:rPr>
+              <a:t>点</a:t>
+            </a:r>
+            <a:r>
               <a:rPr lang="zh-CN" altLang="zh-CN" sz="1800" b="1" kern="100" dirty="0">
                 <a:effectLst/>
                 <a:latin typeface="Times New Roman" panose="02020603050405020304" pitchFamily="18" charset="0"/>
                 <a:ea typeface="宋体" panose="02010600030101010101" pitchFamily="2" charset="-122"/>
                 <a:cs typeface="宋体" panose="02010600030101010101" pitchFamily="2" charset="-122"/>
               </a:rPr>
-              <a:t>点击从矩阵导入按钮，填写状态集</a:t>
+              <a:t>击转换函数</a:t>
             </a:r>
             <a:r>
               <a:rPr lang="en-US" altLang="zh-CN" sz="1800" b="1" kern="100" dirty="0">
@@ -12521,7 +12689,7 @@
                 <a:ea typeface="宋体" panose="02010600030101010101" pitchFamily="2" charset="-122"/>
                 <a:cs typeface="宋体" panose="02010600030101010101" pitchFamily="2" charset="-122"/>
               </a:rPr>
-              <a:t>K</a:t>
+              <a:t>f</a:t>
             </a:r>
             <a:r>
               <a:rPr lang="zh-CN" altLang="zh-CN" sz="1800" b="1" kern="100" dirty="0">
@@ -12530,119 +12698,50 @@
                 <a:ea typeface="宋体" panose="02010600030101010101" pitchFamily="2" charset="-122"/>
                 <a:cs typeface="宋体" panose="02010600030101010101" pitchFamily="2" charset="-122"/>
               </a:rPr>
-              <a:t>、终态集</a:t>
-            </a:r>
-            <a:r>
-              <a:rPr lang="en-US" altLang="zh-CN" sz="1800" b="1" kern="100" dirty="0">
-                <a:effectLst/>
-                <a:latin typeface="Times New Roman" panose="02020603050405020304" pitchFamily="18" charset="0"/>
-                <a:ea typeface="宋体" panose="02010600030101010101" pitchFamily="2" charset="-122"/>
-                <a:cs typeface="宋体" panose="02010600030101010101" pitchFamily="2" charset="-122"/>
-              </a:rPr>
-              <a:t>Z</a:t>
-            </a:r>
-            <a:r>
-              <a:rPr lang="zh-CN" altLang="zh-CN" sz="1800" b="1" kern="100" dirty="0">
-                <a:effectLst/>
-                <a:latin typeface="Times New Roman" panose="02020603050405020304" pitchFamily="18" charset="0"/>
-                <a:ea typeface="宋体" panose="02010600030101010101" pitchFamily="2" charset="-122"/>
-                <a:cs typeface="宋体" panose="02010600030101010101" pitchFamily="2" charset="-122"/>
-              </a:rPr>
-              <a:t>、初态</a:t>
-            </a:r>
-            <a:r>
-              <a:rPr lang="en-US" altLang="zh-CN" sz="1800" b="1" kern="100" dirty="0">
-                <a:effectLst/>
-                <a:latin typeface="Times New Roman" panose="02020603050405020304" pitchFamily="18" charset="0"/>
-                <a:ea typeface="宋体" panose="02010600030101010101" pitchFamily="2" charset="-122"/>
-                <a:cs typeface="宋体" panose="02010600030101010101" pitchFamily="2" charset="-122"/>
-              </a:rPr>
-              <a:t>S</a:t>
-            </a:r>
-            <a:r>
-              <a:rPr lang="zh-CN" altLang="zh-CN" sz="1800" b="1" kern="100" dirty="0">
-                <a:effectLst/>
-                <a:latin typeface="Times New Roman" panose="02020603050405020304" pitchFamily="18" charset="0"/>
-                <a:ea typeface="宋体" panose="02010600030101010101" pitchFamily="2" charset="-122"/>
-                <a:cs typeface="宋体" panose="02010600030101010101" pitchFamily="2" charset="-122"/>
-              </a:rPr>
-              <a:t>、输入符号集</a:t>
-            </a:r>
-            <a:r>
-              <a:rPr lang="zh-CN" altLang="zh-CN" sz="1800" b="1" kern="100" dirty="0">
-                <a:effectLst/>
-                <a:latin typeface="Times New Roman" panose="02020603050405020304" pitchFamily="18" charset="0"/>
-                <a:ea typeface="宋体" panose="02010600030101010101" pitchFamily="2" charset="-122"/>
-              </a:rPr>
-              <a:t>Σ</a:t>
-            </a:r>
+              <a:t>按钮，往生成的表格里面填信息</a:t>
+            </a:r>
+            <a:endParaRPr lang="zh-CN" altLang="zh-CN" sz="1800" b="1" kern="100" dirty="0">
+              <a:effectLst/>
+              <a:latin typeface="Times New Roman" panose="02020603050405020304" pitchFamily="18" charset="0"/>
+              <a:ea typeface="宋体" panose="02010600030101010101" pitchFamily="2" charset="-122"/>
+            </a:endParaRPr>
           </a:p>
         </p:txBody>
       </p:sp>
       <p:pic>
         <p:nvPicPr>
-          <p:cNvPr id="12290" name="图片 1">
+          <p:cNvPr id="4" name="图片 3">
             <a:extLst>
               <a:ext uri="{FF2B5EF4-FFF2-40B4-BE49-F238E27FC236}">
-                <a16:creationId xmlns:a16="http://schemas.microsoft.com/office/drawing/2014/main" id="{FDB71307-09CA-7152-6B6F-75CD3AF772E1}"/>
+                <a16:creationId xmlns:a16="http://schemas.microsoft.com/office/drawing/2014/main" id="{3F983FE1-6E98-53D8-E588-BBB8899E3D88}"/>
               </a:ext>
             </a:extLst>
           </p:cNvPr>
           <p:cNvPicPr>
-            <a:picLocks noChangeAspect="1" noChangeArrowheads="1"/>
+            <a:picLocks noChangeAspect="1"/>
           </p:cNvPicPr>
           <p:nvPr/>
         </p:nvPicPr>
         <p:blipFill>
-          <a:blip r:embed="rId2">
-            <a:extLst>
-              <a:ext uri="{28A0092B-C50C-407E-A947-70E740481C1C}">
-                <a14:useLocalDpi xmlns:a14="http://schemas.microsoft.com/office/drawing/2010/main" val="0"/>
-              </a:ext>
-            </a:extLst>
-          </a:blip>
-          <a:srcRect/>
+          <a:blip r:embed="rId2"/>
           <a:stretch>
             <a:fillRect/>
           </a:stretch>
         </p:blipFill>
-        <p:spPr bwMode="auto">
+        <p:spPr>
           <a:xfrm>
-            <a:off x="1429117" y="1598746"/>
-            <a:ext cx="3408362" cy="4056062"/>
+            <a:off x="1382956" y="1619250"/>
+            <a:ext cx="5381625" cy="3619500"/>
           </a:xfrm>
           <a:prstGeom prst="rect">
             <a:avLst/>
           </a:prstGeom>
-          <a:noFill/>
-          <a:ln>
-            <a:noFill/>
-          </a:ln>
-          <a:extLst>
-            <a:ext uri="{909E8E84-426E-40DD-AFC4-6F175D3DCCD1}">
-              <a14:hiddenFill xmlns:a14="http://schemas.microsoft.com/office/drawing/2010/main">
-                <a:solidFill>
-                  <a:srgbClr val="FFFFFF"/>
-                </a:solidFill>
-              </a14:hiddenFill>
-            </a:ext>
-            <a:ext uri="{91240B29-F687-4F45-9708-019B960494DF}">
-              <a14:hiddenLine xmlns:a14="http://schemas.microsoft.com/office/drawing/2010/main" w="9525">
-                <a:solidFill>
-                  <a:srgbClr val="000000"/>
-                </a:solidFill>
-                <a:miter lim="800000"/>
-                <a:headEnd/>
-                <a:tailEnd/>
-              </a14:hiddenLine>
-            </a:ext>
-          </a:extLst>
         </p:spPr>
       </p:pic>
     </p:spTree>
     <p:extLst>
       <p:ext uri="{BB962C8B-B14F-4D97-AF65-F5344CB8AC3E}">
-        <p14:creationId xmlns:p14="http://schemas.microsoft.com/office/powerpoint/2010/main" val="4163473154"/>
+        <p14:creationId xmlns:p14="http://schemas.microsoft.com/office/powerpoint/2010/main" val="2114986005"/>
       </p:ext>
     </p:extLst>
   </p:cSld>
@@ -12785,244 +12884,6 @@
         <p:spPr>
           <a:xfrm>
             <a:off x="991333" y="1242751"/>
-            <a:ext cx="10939829" cy="355995"/>
-          </a:xfrm>
-          <a:prstGeom prst="rect">
-            <a:avLst/>
-          </a:prstGeom>
-          <a:noFill/>
-        </p:spPr>
-        <p:txBody>
-          <a:bodyPr wrap="square">
-            <a:spAutoFit/>
-          </a:bodyPr>
-          <a:lstStyle/>
-          <a:p>
-            <a:pPr indent="304800" algn="just">
-              <a:lnSpc>
-                <a:spcPts val="2000"/>
-              </a:lnSpc>
-            </a:pPr>
-            <a:r>
-              <a:rPr lang="zh-CN" altLang="en-US" sz="1800" b="1" kern="100" dirty="0">
-                <a:effectLst/>
-                <a:latin typeface="Times New Roman" panose="02020603050405020304" pitchFamily="18" charset="0"/>
-                <a:ea typeface="宋体" panose="02010600030101010101" pitchFamily="2" charset="-122"/>
-                <a:cs typeface="宋体" panose="02010600030101010101" pitchFamily="2" charset="-122"/>
-              </a:rPr>
-              <a:t>点</a:t>
-            </a:r>
-            <a:r>
-              <a:rPr lang="zh-CN" altLang="zh-CN" sz="1800" b="1" kern="100" dirty="0">
-                <a:effectLst/>
-                <a:latin typeface="Times New Roman" panose="02020603050405020304" pitchFamily="18" charset="0"/>
-                <a:ea typeface="宋体" panose="02010600030101010101" pitchFamily="2" charset="-122"/>
-                <a:cs typeface="宋体" panose="02010600030101010101" pitchFamily="2" charset="-122"/>
-              </a:rPr>
-              <a:t>击转换函数</a:t>
-            </a:r>
-            <a:r>
-              <a:rPr lang="en-US" altLang="zh-CN" sz="1800" b="1" kern="100" dirty="0">
-                <a:effectLst/>
-                <a:latin typeface="Times New Roman" panose="02020603050405020304" pitchFamily="18" charset="0"/>
-                <a:ea typeface="宋体" panose="02010600030101010101" pitchFamily="2" charset="-122"/>
-                <a:cs typeface="宋体" panose="02010600030101010101" pitchFamily="2" charset="-122"/>
-              </a:rPr>
-              <a:t>f</a:t>
-            </a:r>
-            <a:r>
-              <a:rPr lang="zh-CN" altLang="zh-CN" sz="1800" b="1" kern="100" dirty="0">
-                <a:effectLst/>
-                <a:latin typeface="Times New Roman" panose="02020603050405020304" pitchFamily="18" charset="0"/>
-                <a:ea typeface="宋体" panose="02010600030101010101" pitchFamily="2" charset="-122"/>
-                <a:cs typeface="宋体" panose="02010600030101010101" pitchFamily="2" charset="-122"/>
-              </a:rPr>
-              <a:t>按钮，往生成的表格里面填信息</a:t>
-            </a:r>
-            <a:endParaRPr lang="zh-CN" altLang="zh-CN" sz="1800" b="1" kern="100" dirty="0">
-              <a:effectLst/>
-              <a:latin typeface="Times New Roman" panose="02020603050405020304" pitchFamily="18" charset="0"/>
-              <a:ea typeface="宋体" panose="02010600030101010101" pitchFamily="2" charset="-122"/>
-            </a:endParaRPr>
-          </a:p>
-        </p:txBody>
-      </p:sp>
-      <p:pic>
-        <p:nvPicPr>
-          <p:cNvPr id="4" name="图片 3">
-            <a:extLst>
-              <a:ext uri="{FF2B5EF4-FFF2-40B4-BE49-F238E27FC236}">
-                <a16:creationId xmlns:a16="http://schemas.microsoft.com/office/drawing/2014/main" id="{3F983FE1-6E98-53D8-E588-BBB8899E3D88}"/>
-              </a:ext>
-            </a:extLst>
-          </p:cNvPr>
-          <p:cNvPicPr>
-            <a:picLocks noChangeAspect="1"/>
-          </p:cNvPicPr>
-          <p:nvPr/>
-        </p:nvPicPr>
-        <p:blipFill>
-          <a:blip r:embed="rId2"/>
-          <a:stretch>
-            <a:fillRect/>
-          </a:stretch>
-        </p:blipFill>
-        <p:spPr>
-          <a:xfrm>
-            <a:off x="1382956" y="1619250"/>
-            <a:ext cx="5381625" cy="3619500"/>
-          </a:xfrm>
-          <a:prstGeom prst="rect">
-            <a:avLst/>
-          </a:prstGeom>
-        </p:spPr>
-      </p:pic>
-    </p:spTree>
-    <p:extLst>
-      <p:ext uri="{BB962C8B-B14F-4D97-AF65-F5344CB8AC3E}">
-        <p14:creationId xmlns:p14="http://schemas.microsoft.com/office/powerpoint/2010/main" val="2114986005"/>
-      </p:ext>
-    </p:extLst>
-  </p:cSld>
-  <p:clrMapOvr>
-    <a:masterClrMapping/>
-  </p:clrMapOvr>
-</p:sld>
-</file>
-
-<file path=ppt/slides/slide32.xml><?xml version="1.0" encoding="utf-8"?>
-<p:sld xmlns:a="http://schemas.openxmlformats.org/drawingml/2006/main" xmlns:r="http://schemas.openxmlformats.org/officeDocument/2006/relationships" xmlns:p="http://schemas.openxmlformats.org/presentationml/2006/main">
-  <p:cSld>
-    <p:spTree>
-      <p:nvGrpSpPr>
-        <p:cNvPr id="1" name=""/>
-        <p:cNvGrpSpPr/>
-        <p:nvPr/>
-      </p:nvGrpSpPr>
-      <p:grpSpPr>
-        <a:xfrm>
-          <a:off x="0" y="0"/>
-          <a:ext cx="0" cy="0"/>
-          <a:chOff x="0" y="0"/>
-          <a:chExt cx="0" cy="0"/>
-        </a:xfrm>
-      </p:grpSpPr>
-      <p:sp>
-        <p:nvSpPr>
-          <p:cNvPr id="3" name="标题 1">
-            <a:extLst>
-              <a:ext uri="{FF2B5EF4-FFF2-40B4-BE49-F238E27FC236}">
-                <a16:creationId xmlns:a16="http://schemas.microsoft.com/office/drawing/2014/main" id="{EFE3B30E-0F97-3FAA-6CB2-AD55479E681C}"/>
-              </a:ext>
-            </a:extLst>
-          </p:cNvPr>
-          <p:cNvSpPr txBox="1">
-            <a:spLocks/>
-          </p:cNvSpPr>
-          <p:nvPr/>
-        </p:nvSpPr>
-        <p:spPr>
-          <a:xfrm>
-            <a:off x="1251678" y="382385"/>
-            <a:ext cx="10450884" cy="1492132"/>
-          </a:xfrm>
-          <a:prstGeom prst="rect">
-            <a:avLst/>
-          </a:prstGeom>
-        </p:spPr>
-        <p:txBody>
-          <a:bodyPr>
-            <a:normAutofit/>
-          </a:bodyPr>
-          <a:lstStyle>
-            <a:lvl1pPr algn="l" defTabSz="914400" rtl="0" eaLnBrk="1" latinLnBrk="0" hangingPunct="1">
-              <a:lnSpc>
-                <a:spcPct val="90000"/>
-              </a:lnSpc>
-              <a:spcBef>
-                <a:spcPct val="0"/>
-              </a:spcBef>
-              <a:buNone/>
-              <a:defRPr sz="5100" kern="1200" cap="all" spc="200" baseline="0">
-                <a:solidFill>
-                  <a:schemeClr val="tx2"/>
-                </a:solidFill>
-                <a:latin typeface="+mj-lt"/>
-                <a:ea typeface="+mj-ea"/>
-                <a:cs typeface="+mj-cs"/>
-              </a:defRPr>
-            </a:lvl1pPr>
-          </a:lstStyle>
-          <a:p>
-            <a:r>
-              <a:rPr lang="zh-CN" altLang="en-US" sz="4400" b="1" spc="400" dirty="0">
-                <a:solidFill>
-                  <a:srgbClr val="F8B323"/>
-                </a:solidFill>
-                <a:latin typeface="Gill Sans MT" panose="020B0502020104020203"/>
-                <a:ea typeface="华文中宋" panose="02010600040101010101" pitchFamily="2" charset="-122"/>
-                <a:cs typeface="+mn-cs"/>
-              </a:rPr>
-              <a:t>测试用例</a:t>
-            </a:r>
-            <a:r>
-              <a:rPr lang="en-US" altLang="zh-CN" sz="4400" b="1" spc="400" dirty="0">
-                <a:solidFill>
-                  <a:srgbClr val="F8B323"/>
-                </a:solidFill>
-                <a:latin typeface="Gill Sans MT" panose="020B0502020104020203"/>
-                <a:ea typeface="华文中宋" panose="02010600040101010101" pitchFamily="2" charset="-122"/>
-                <a:cs typeface="+mn-cs"/>
-              </a:rPr>
-              <a:t>3</a:t>
-            </a:r>
-            <a:r>
-              <a:rPr lang="zh-CN" altLang="en-US" sz="4400" b="1" spc="400" dirty="0">
-                <a:solidFill>
-                  <a:srgbClr val="F8B323"/>
-                </a:solidFill>
-                <a:latin typeface="Gill Sans MT" panose="020B0502020104020203"/>
-                <a:ea typeface="华文中宋" panose="02010600040101010101" pitchFamily="2" charset="-122"/>
-                <a:cs typeface="+mn-cs"/>
-              </a:rPr>
-              <a:t>：状态图和状态矩阵的转换</a:t>
-            </a:r>
-            <a:endParaRPr lang="zh-CN" altLang="zh-CN" sz="4400" b="1" spc="400" dirty="0">
-              <a:solidFill>
-                <a:srgbClr val="F8B323"/>
-              </a:solidFill>
-              <a:latin typeface="Gill Sans MT" panose="020B0502020104020203"/>
-              <a:ea typeface="华文中宋" panose="02010600040101010101" pitchFamily="2" charset="-122"/>
-              <a:cs typeface="+mn-cs"/>
-            </a:endParaRPr>
-          </a:p>
-          <a:p>
-            <a:endParaRPr lang="zh-CN" altLang="zh-CN" sz="1800" kern="100" dirty="0">
-              <a:effectLst/>
-              <a:latin typeface="Times New Roman" panose="02020603050405020304" pitchFamily="18" charset="0"/>
-              <a:ea typeface="宋体" panose="02010600030101010101" pitchFamily="2" charset="-122"/>
-            </a:endParaRPr>
-          </a:p>
-          <a:p>
-            <a:endParaRPr lang="zh-CN" altLang="en-US" dirty="0"/>
-          </a:p>
-        </p:txBody>
-      </p:sp>
-      <p:sp>
-        <p:nvSpPr>
-          <p:cNvPr id="5" name="文本框 4">
-            <a:extLst>
-              <a:ext uri="{FF2B5EF4-FFF2-40B4-BE49-F238E27FC236}">
-                <a16:creationId xmlns:a16="http://schemas.microsoft.com/office/drawing/2014/main" id="{CFFD9905-DCA7-7316-3CA9-2C5F3711382A}"/>
-              </a:ext>
-            </a:extLst>
-          </p:cNvPr>
-          <p:cNvSpPr txBox="1"/>
-          <p:nvPr/>
-        </p:nvSpPr>
-        <p:spPr>
-          <a:xfrm>
-            <a:off x="991333" y="1242751"/>
             <a:ext cx="10939829" cy="605294"/>
           </a:xfrm>
           <a:prstGeom prst="rect">
@@ -13143,7 +13004,7 @@
 </p:sld>
 </file>
 
-<file path=ppt/slides/slide33.xml><?xml version="1.0" encoding="utf-8"?>
+<file path=ppt/slides/slide32.xml><?xml version="1.0" encoding="utf-8"?>
 <p:sld xmlns:a="http://schemas.openxmlformats.org/drawingml/2006/main" xmlns:r="http://schemas.openxmlformats.org/officeDocument/2006/relationships" xmlns:p="http://schemas.openxmlformats.org/presentationml/2006/main">
   <p:cSld>
     <p:spTree>
